--- a/static/ppts/AP3-1.pptx
+++ b/static/ppts/AP3-1.pptx
@@ -5,7 +5,7 @@
     <p:sldMasterId id="2147483648" r:id="rId1"/>
   </p:sldMasterIdLst>
   <p:notesMasterIdLst>
-    <p:notesMasterId r:id="rId38"/>
+    <p:notesMasterId r:id="rId40"/>
   </p:notesMasterIdLst>
   <p:sldIdLst>
     <p:sldId id="256" r:id="rId2"/>
@@ -19,31 +19,33 @@
     <p:sldId id="285" r:id="rId10"/>
     <p:sldId id="286" r:id="rId11"/>
     <p:sldId id="262" r:id="rId12"/>
-    <p:sldId id="263" r:id="rId13"/>
-    <p:sldId id="264" r:id="rId14"/>
-    <p:sldId id="265" r:id="rId15"/>
-    <p:sldId id="266" r:id="rId16"/>
-    <p:sldId id="267" r:id="rId17"/>
-    <p:sldId id="268" r:id="rId18"/>
-    <p:sldId id="270" r:id="rId19"/>
-    <p:sldId id="269" r:id="rId20"/>
-    <p:sldId id="271" r:id="rId21"/>
-    <p:sldId id="272" r:id="rId22"/>
-    <p:sldId id="273" r:id="rId23"/>
-    <p:sldId id="274" r:id="rId24"/>
-    <p:sldId id="275" r:id="rId25"/>
-    <p:sldId id="277" r:id="rId26"/>
-    <p:sldId id="276" r:id="rId27"/>
-    <p:sldId id="288" r:id="rId28"/>
-    <p:sldId id="278" r:id="rId29"/>
-    <p:sldId id="280" r:id="rId30"/>
-    <p:sldId id="281" r:id="rId31"/>
-    <p:sldId id="282" r:id="rId32"/>
-    <p:sldId id="283" r:id="rId33"/>
-    <p:sldId id="284" r:id="rId34"/>
-    <p:sldId id="287" r:id="rId35"/>
-    <p:sldId id="291" r:id="rId36"/>
-    <p:sldId id="290" r:id="rId37"/>
+    <p:sldId id="292" r:id="rId13"/>
+    <p:sldId id="293" r:id="rId14"/>
+    <p:sldId id="263" r:id="rId15"/>
+    <p:sldId id="264" r:id="rId16"/>
+    <p:sldId id="265" r:id="rId17"/>
+    <p:sldId id="266" r:id="rId18"/>
+    <p:sldId id="267" r:id="rId19"/>
+    <p:sldId id="268" r:id="rId20"/>
+    <p:sldId id="270" r:id="rId21"/>
+    <p:sldId id="269" r:id="rId22"/>
+    <p:sldId id="271" r:id="rId23"/>
+    <p:sldId id="272" r:id="rId24"/>
+    <p:sldId id="273" r:id="rId25"/>
+    <p:sldId id="274" r:id="rId26"/>
+    <p:sldId id="275" r:id="rId27"/>
+    <p:sldId id="277" r:id="rId28"/>
+    <p:sldId id="276" r:id="rId29"/>
+    <p:sldId id="288" r:id="rId30"/>
+    <p:sldId id="278" r:id="rId31"/>
+    <p:sldId id="280" r:id="rId32"/>
+    <p:sldId id="281" r:id="rId33"/>
+    <p:sldId id="282" r:id="rId34"/>
+    <p:sldId id="283" r:id="rId35"/>
+    <p:sldId id="284" r:id="rId36"/>
+    <p:sldId id="287" r:id="rId37"/>
+    <p:sldId id="291" r:id="rId38"/>
+    <p:sldId id="290" r:id="rId39"/>
   </p:sldIdLst>
   <p:sldSz cx="12192000" cy="6858000"/>
   <p:notesSz cx="6858000" cy="9144000"/>
@@ -288,7 +290,7 @@
           <a:p>
             <a:fld id="{C418CD1A-2353-429E-A382-1E095AB9E82C}" type="datetimeFigureOut">
               <a:rPr lang="en-US" smtClean="0"/>
-              <a:t>12/13/2021</a:t>
+              <a:t>12/17/2021</a:t>
             </a:fld>
             <a:endParaRPr lang="en-US"/>
           </a:p>
@@ -620,7 +622,7 @@
           <a:p>
             <a:fld id="{89863D4D-40FC-4C83-AFD5-55E9DA4F0437}" type="slidenum">
               <a:rPr lang="en-US" smtClean="0"/>
-              <a:t>29</a:t>
+              <a:t>31</a:t>
             </a:fld>
             <a:endParaRPr lang="en-US"/>
           </a:p>
@@ -734,7 +736,7 @@
           <a:effectLst/>
           <a:extLst>
             <a:ext uri="{91240B29-F687-4f45-9708-019B960494DF}">
-              <a14:hiddenLine xmlns="" xmlns:a14="http://schemas.microsoft.com/office/drawing/2010/main" w="9525">
+              <a14:hiddenLine xmlns:a14="http://schemas.microsoft.com/office/drawing/2010/main" xmlns="" w="9525">
                 <a:solidFill>
                   <a:srgbClr val="000000"/>
                 </a:solidFill>
@@ -927,7 +929,7 @@
             <a:fld id="{08B9EBBA-996F-894A-B54A-D6246ED52CEA}" type="datetimeFigureOut">
               <a:rPr lang="en-US" dirty="0"/>
               <a:pPr/>
-              <a:t>12/13/2021</a:t>
+              <a:t>12/17/2021</a:t>
             </a:fld>
             <a:endParaRPr lang="en-US" dirty="0"/>
           </a:p>
@@ -1242,7 +1244,7 @@
             <a:fld id="{18C79C5D-2A6F-F04D-97DA-BEF2467B64E4}" type="datetimeFigureOut">
               <a:rPr lang="en-US" dirty="0"/>
               <a:pPr/>
-              <a:t>12/13/2021</a:t>
+              <a:t>12/17/2021</a:t>
             </a:fld>
             <a:endParaRPr lang="en-US" dirty="0"/>
           </a:p>
@@ -1727,7 +1729,7 @@
             <a:fld id="{8DFA1846-DA80-1C48-A609-854EA85C59AD}" type="datetimeFigureOut">
               <a:rPr lang="en-US" dirty="0"/>
               <a:pPr/>
-              <a:t>12/13/2021</a:t>
+              <a:t>12/17/2021</a:t>
             </a:fld>
             <a:endParaRPr lang="en-US" dirty="0"/>
           </a:p>
@@ -2093,7 +2095,7 @@
             <a:fld id="{FBF54567-0DE4-3F47-BF90-CB84690072F9}" type="datetimeFigureOut">
               <a:rPr lang="en-US" dirty="0"/>
               <a:pPr/>
-              <a:t>12/13/2021</a:t>
+              <a:t>12/17/2021</a:t>
             </a:fld>
             <a:endParaRPr lang="en-US" dirty="0"/>
           </a:p>
@@ -2244,7 +2246,7 @@
           <a:ln/>
           <a:extLst>
             <a:ext uri="{91240B29-F687-4f45-9708-019B960494DF}">
-              <a14:hiddenLine xmlns="" xmlns:a14="http://schemas.microsoft.com/office/drawing/2010/main" w="9525">
+              <a14:hiddenLine xmlns:a14="http://schemas.microsoft.com/office/drawing/2010/main" xmlns="" w="9525">
                 <a:solidFill>
                   <a:srgbClr val="000000"/>
                 </a:solidFill>
@@ -2363,7 +2365,7 @@
             <a:fld id="{C6C52C72-DE31-F449-A4ED-4C594FD91407}" type="datetimeFigureOut">
               <a:rPr lang="en-US" dirty="0"/>
               <a:pPr/>
-              <a:t>12/13/2021</a:t>
+              <a:t>12/17/2021</a:t>
             </a:fld>
             <a:endParaRPr lang="en-US" dirty="0"/>
           </a:p>
@@ -2516,7 +2518,7 @@
           <a:ln/>
           <a:extLst>
             <a:ext uri="{91240B29-F687-4f45-9708-019B960494DF}">
-              <a14:hiddenLine xmlns="" xmlns:a14="http://schemas.microsoft.com/office/drawing/2010/main" w="9525">
+              <a14:hiddenLine xmlns:a14="http://schemas.microsoft.com/office/drawing/2010/main" xmlns="" w="9525">
                 <a:solidFill>
                   <a:srgbClr val="000000"/>
                 </a:solidFill>
@@ -2645,7 +2647,7 @@
             <a:fld id="{ED62726E-379B-B349-9EED-81ED093FA806}" type="datetimeFigureOut">
               <a:rPr lang="en-US" dirty="0"/>
               <a:pPr/>
-              <a:t>12/13/2021</a:t>
+              <a:t>12/17/2021</a:t>
             </a:fld>
             <a:endParaRPr lang="en-US" dirty="0"/>
           </a:p>
@@ -2796,7 +2798,7 @@
           <a:ln/>
           <a:extLst>
             <a:ext uri="{91240B29-F687-4f45-9708-019B960494DF}">
-              <a14:hiddenLine xmlns="" xmlns:a14="http://schemas.microsoft.com/office/drawing/2010/main" w="9525">
+              <a14:hiddenLine xmlns:a14="http://schemas.microsoft.com/office/drawing/2010/main" xmlns="" w="9525">
                 <a:solidFill>
                   <a:srgbClr val="000000"/>
                 </a:solidFill>
@@ -2925,7 +2927,7 @@
             <a:fld id="{9B3A1323-8D79-1946-B0D7-40001CF92E9D}" type="datetimeFigureOut">
               <a:rPr lang="en-US" dirty="0"/>
               <a:pPr/>
-              <a:t>12/13/2021</a:t>
+              <a:t>12/17/2021</a:t>
             </a:fld>
             <a:endParaRPr lang="en-US" dirty="0"/>
           </a:p>
@@ -3265,7 +3267,7 @@
             <a:fld id="{8DFA1846-DA80-1C48-A609-854EA85C59AD}" type="datetimeFigureOut">
               <a:rPr lang="en-US" dirty="0"/>
               <a:pPr/>
-              <a:t>12/13/2021</a:t>
+              <a:t>12/17/2021</a:t>
             </a:fld>
             <a:endParaRPr lang="en-US" dirty="0"/>
           </a:p>
@@ -3416,7 +3418,7 @@
           <a:ln/>
           <a:extLst>
             <a:ext uri="{91240B29-F687-4f45-9708-019B960494DF}">
-              <a14:hiddenLine xmlns="" xmlns:a14="http://schemas.microsoft.com/office/drawing/2010/main" w="9525">
+              <a14:hiddenLine xmlns:a14="http://schemas.microsoft.com/office/drawing/2010/main" xmlns="" w="9525">
                 <a:solidFill>
                   <a:srgbClr val="000000"/>
                 </a:solidFill>
@@ -3601,7 +3603,7 @@
             <a:fld id="{57302355-E14B-8545-A8F8-0FE83CC9D524}" type="datetimeFigureOut">
               <a:rPr lang="en-US" dirty="0"/>
               <a:pPr/>
-              <a:t>12/13/2021</a:t>
+              <a:t>12/17/2021</a:t>
             </a:fld>
             <a:endParaRPr lang="en-US" dirty="0"/>
           </a:p>
@@ -3752,7 +3754,7 @@
           <a:ln/>
           <a:extLst>
             <a:ext uri="{91240B29-F687-4f45-9708-019B960494DF}">
-              <a14:hiddenLine xmlns="" xmlns:a14="http://schemas.microsoft.com/office/drawing/2010/main" w="9525">
+              <a14:hiddenLine xmlns:a14="http://schemas.microsoft.com/office/drawing/2010/main" xmlns="" w="9525">
                 <a:solidFill>
                   <a:srgbClr val="000000"/>
                 </a:solidFill>
@@ -4075,7 +4077,7 @@
             <a:fld id="{02640F58-564D-2B4F-AE67-E407BA4FCF45}" type="datetimeFigureOut">
               <a:rPr lang="en-US" dirty="0"/>
               <a:pPr/>
-              <a:t>12/13/2021</a:t>
+              <a:t>12/17/2021</a:t>
             </a:fld>
             <a:endParaRPr lang="en-US" dirty="0"/>
           </a:p>
@@ -4226,7 +4228,7 @@
           <a:ln/>
           <a:extLst>
             <a:ext uri="{91240B29-F687-4f45-9708-019B960494DF}">
-              <a14:hiddenLine xmlns="" xmlns:a14="http://schemas.microsoft.com/office/drawing/2010/main" w="9525">
+              <a14:hiddenLine xmlns:a14="http://schemas.microsoft.com/office/drawing/2010/main" xmlns="" w="9525">
                 <a:solidFill>
                   <a:srgbClr val="000000"/>
                 </a:solidFill>
@@ -4293,7 +4295,7 @@
             <a:fld id="{F13A34C8-038E-2045-AF43-DF7DBB8E0E9E}" type="datetimeFigureOut">
               <a:rPr lang="en-US" dirty="0"/>
               <a:pPr/>
-              <a:t>12/13/2021</a:t>
+              <a:t>12/17/2021</a:t>
             </a:fld>
             <a:endParaRPr lang="en-US" dirty="0"/>
           </a:p>
@@ -4385,7 +4387,7 @@
             <a:fld id="{8818C68F-D26B-8F47-958C-23B49CF8A634}" type="datetimeFigureOut">
               <a:rPr lang="en-US" dirty="0"/>
               <a:pPr/>
-              <a:t>12/13/2021</a:t>
+              <a:t>12/17/2021</a:t>
             </a:fld>
             <a:endParaRPr lang="en-US" dirty="0"/>
           </a:p>
@@ -4649,7 +4651,7 @@
           <a:ln/>
           <a:extLst>
             <a:ext uri="{91240B29-F687-4f45-9708-019B960494DF}">
-              <a14:hiddenLine xmlns="" xmlns:a14="http://schemas.microsoft.com/office/drawing/2010/main" w="9525">
+              <a14:hiddenLine xmlns:a14="http://schemas.microsoft.com/office/drawing/2010/main" xmlns="" w="9525">
                 <a:solidFill>
                   <a:srgbClr val="000000"/>
                 </a:solidFill>
@@ -4849,7 +4851,7 @@
             <a:fld id="{D0DF5E60-9974-AC48-9591-99C2BB44B7CF}" type="datetimeFigureOut">
               <a:rPr lang="en-US" dirty="0"/>
               <a:pPr/>
-              <a:t>12/13/2021</a:t>
+              <a:t>12/17/2021</a:t>
             </a:fld>
             <a:endParaRPr lang="en-US" dirty="0"/>
           </a:p>
@@ -5159,7 +5161,7 @@
             <a:fld id="{18C79C5D-2A6F-F04D-97DA-BEF2467B64E4}" type="datetimeFigureOut">
               <a:rPr lang="en-US" dirty="0"/>
               <a:pPr/>
-              <a:t>12/13/2021</a:t>
+              <a:t>12/17/2021</a:t>
             </a:fld>
             <a:endParaRPr lang="en-US" dirty="0"/>
           </a:p>
@@ -5426,7 +5428,7 @@
             <a:fld id="{09B482E8-6E0E-1B4F-B1FD-C69DB9E858D9}" type="datetimeFigureOut">
               <a:rPr lang="en-US" dirty="0"/>
               <a:pPr/>
-              <a:t>12/13/2021</a:t>
+              <a:t>12/17/2021</a:t>
             </a:fld>
             <a:endParaRPr lang="en-US" dirty="0"/>
           </a:p>
@@ -7462,6 +7464,809 @@
           <p:cNvPr id="2" name="Title 1">
             <a:extLst>
               <a:ext uri="{FF2B5EF4-FFF2-40B4-BE49-F238E27FC236}">
+                <a16:creationId xmlns:a16="http://schemas.microsoft.com/office/drawing/2014/main" id="{DC15E167-A12A-4BD0-A74C-F863CCDB5F00}"/>
+              </a:ext>
+            </a:extLst>
+          </p:cNvPr>
+          <p:cNvSpPr>
+            <a:spLocks noGrp="1"/>
+          </p:cNvSpPr>
+          <p:nvPr>
+            <p:ph type="title"/>
+          </p:nvPr>
+        </p:nvSpPr>
+        <p:spPr/>
+        <p:txBody>
+          <a:bodyPr/>
+          <a:lstStyle/>
+          <a:p>
+            <a:r>
+              <a:rPr lang="en-US" dirty="0"/>
+              <a:t>boolean logical operators</a:t>
+            </a:r>
+          </a:p>
+        </p:txBody>
+      </p:sp>
+      <p:sp>
+        <p:nvSpPr>
+          <p:cNvPr id="3" name="Content Placeholder 2">
+            <a:extLst>
+              <a:ext uri="{FF2B5EF4-FFF2-40B4-BE49-F238E27FC236}">
+                <a16:creationId xmlns:a16="http://schemas.microsoft.com/office/drawing/2014/main" id="{D2419F4A-658B-4981-9F64-FAC11F9AB208}"/>
+              </a:ext>
+            </a:extLst>
+          </p:cNvPr>
+          <p:cNvSpPr>
+            <a:spLocks noGrp="1"/>
+          </p:cNvSpPr>
+          <p:nvPr>
+            <p:ph idx="1"/>
+          </p:nvPr>
+        </p:nvSpPr>
+        <p:spPr>
+          <a:xfrm>
+            <a:off x="818712" y="2222287"/>
+            <a:ext cx="10093930" cy="4504480"/>
+          </a:xfrm>
+          <a:effectLst>
+            <a:outerShdw blurRad="50800" dist="38100" dir="2700000" algn="tl" rotWithShape="0">
+              <a:prstClr val="black">
+                <a:alpha val="40000"/>
+              </a:prstClr>
+            </a:outerShdw>
+          </a:effectLst>
+        </p:spPr>
+        <p:txBody>
+          <a:bodyPr/>
+          <a:lstStyle/>
+          <a:p>
+            <a:pPr marL="0" indent="0">
+              <a:buNone/>
+            </a:pPr>
+            <a:r>
+              <a:rPr lang="en-US" sz="2800" dirty="0">
+                <a:effectLst>
+                  <a:outerShdw blurRad="50800" dist="38100" dir="2700000" algn="tl" rotWithShape="0">
+                    <a:prstClr val="black">
+                      <a:alpha val="40000"/>
+                    </a:prstClr>
+                  </a:outerShdw>
+                </a:effectLst>
+              </a:rPr>
+              <a:t>Suppose you need to purchase </a:t>
+            </a:r>
+            <a:r>
+              <a:rPr lang="en-US" sz="2800" dirty="0">
+                <a:solidFill>
+                  <a:srgbClr val="FFC000"/>
+                </a:solidFill>
+                <a:effectLst>
+                  <a:outerShdw blurRad="50800" dist="38100" dir="2700000" algn="tl" rotWithShape="0">
+                    <a:prstClr val="black">
+                      <a:alpha val="40000"/>
+                    </a:prstClr>
+                  </a:outerShdw>
+                </a:effectLst>
+              </a:rPr>
+              <a:t>bread</a:t>
+            </a:r>
+            <a:r>
+              <a:rPr lang="en-US" sz="2800" dirty="0">
+                <a:effectLst>
+                  <a:outerShdw blurRad="50800" dist="38100" dir="2700000" algn="tl" rotWithShape="0">
+                    <a:prstClr val="black">
+                      <a:alpha val="40000"/>
+                    </a:prstClr>
+                  </a:outerShdw>
+                </a:effectLst>
+              </a:rPr>
+              <a:t>.</a:t>
+            </a:r>
+          </a:p>
+          <a:p>
+            <a:pPr marL="0" indent="0">
+              <a:buNone/>
+            </a:pPr>
+            <a:endParaRPr lang="en-US" sz="2800" dirty="0">
+              <a:effectLst>
+                <a:outerShdw blurRad="50800" dist="38100" dir="2700000" algn="tl" rotWithShape="0">
+                  <a:prstClr val="black">
+                    <a:alpha val="40000"/>
+                  </a:prstClr>
+                </a:outerShdw>
+              </a:effectLst>
+            </a:endParaRPr>
+          </a:p>
+          <a:p>
+            <a:pPr marL="0" indent="0">
+              <a:buNone/>
+            </a:pPr>
+            <a:r>
+              <a:rPr lang="en-US" sz="2800" dirty="0">
+                <a:effectLst>
+                  <a:outerShdw blurRad="50800" dist="38100" dir="2700000" algn="tl" rotWithShape="0">
+                    <a:prstClr val="black">
+                      <a:alpha val="40000"/>
+                    </a:prstClr>
+                  </a:outerShdw>
+                </a:effectLst>
+              </a:rPr>
+              <a:t>Two conditions need to be present:</a:t>
+            </a:r>
+          </a:p>
+          <a:p>
+            <a:pPr marL="514350" indent="-514350">
+              <a:buAutoNum type="arabicPeriod"/>
+            </a:pPr>
+            <a:r>
+              <a:rPr lang="en-US" sz="2800" dirty="0">
+                <a:effectLst>
+                  <a:outerShdw blurRad="50800" dist="38100" dir="2700000" algn="tl" rotWithShape="0">
+                    <a:prstClr val="black">
+                      <a:alpha val="40000"/>
+                    </a:prstClr>
+                  </a:outerShdw>
+                </a:effectLst>
+              </a:rPr>
+              <a:t>You have </a:t>
+            </a:r>
+            <a:r>
+              <a:rPr lang="en-US" sz="2800" dirty="0">
+                <a:solidFill>
+                  <a:srgbClr val="92D050"/>
+                </a:solidFill>
+                <a:effectLst>
+                  <a:outerShdw blurRad="50800" dist="38100" dir="2700000" algn="tl" rotWithShape="0">
+                    <a:prstClr val="black">
+                      <a:alpha val="40000"/>
+                    </a:prstClr>
+                  </a:outerShdw>
+                </a:effectLst>
+              </a:rPr>
+              <a:t>money</a:t>
+            </a:r>
+            <a:r>
+              <a:rPr lang="en-US" sz="2800" dirty="0">
+                <a:effectLst>
+                  <a:outerShdw blurRad="50800" dist="38100" dir="2700000" algn="tl" rotWithShape="0">
+                    <a:prstClr val="black">
+                      <a:alpha val="40000"/>
+                    </a:prstClr>
+                  </a:outerShdw>
+                </a:effectLst>
+              </a:rPr>
+              <a:t> to buy </a:t>
+            </a:r>
+            <a:r>
+              <a:rPr lang="en-US" sz="2800" dirty="0">
+                <a:solidFill>
+                  <a:srgbClr val="FFC000"/>
+                </a:solidFill>
+                <a:effectLst>
+                  <a:outerShdw blurRad="50800" dist="38100" dir="2700000" algn="tl" rotWithShape="0">
+                    <a:prstClr val="black">
+                      <a:alpha val="40000"/>
+                    </a:prstClr>
+                  </a:outerShdw>
+                </a:effectLst>
+              </a:rPr>
+              <a:t>bread</a:t>
+            </a:r>
+          </a:p>
+          <a:p>
+            <a:pPr marL="514350" indent="-514350">
+              <a:buAutoNum type="arabicPeriod"/>
+            </a:pPr>
+            <a:r>
+              <a:rPr lang="en-US" sz="2800" dirty="0">
+                <a:effectLst>
+                  <a:outerShdw blurRad="50800" dist="38100" dir="2700000" algn="tl" rotWithShape="0">
+                    <a:prstClr val="black">
+                      <a:alpha val="40000"/>
+                    </a:prstClr>
+                  </a:outerShdw>
+                </a:effectLst>
+              </a:rPr>
+              <a:t>There is </a:t>
+            </a:r>
+            <a:r>
+              <a:rPr lang="en-US" sz="2800" dirty="0">
+                <a:solidFill>
+                  <a:srgbClr val="FFC000"/>
+                </a:solidFill>
+                <a:effectLst>
+                  <a:outerShdw blurRad="50800" dist="38100" dir="2700000" algn="tl" rotWithShape="0">
+                    <a:prstClr val="black">
+                      <a:alpha val="40000"/>
+                    </a:prstClr>
+                  </a:outerShdw>
+                </a:effectLst>
+              </a:rPr>
+              <a:t>bread</a:t>
+            </a:r>
+            <a:r>
+              <a:rPr lang="en-US" sz="2800" dirty="0">
+                <a:effectLst>
+                  <a:outerShdw blurRad="50800" dist="38100" dir="2700000" algn="tl" rotWithShape="0">
+                    <a:prstClr val="black">
+                      <a:alpha val="40000"/>
+                    </a:prstClr>
+                  </a:outerShdw>
+                </a:effectLst>
+              </a:rPr>
+              <a:t> at the store</a:t>
+            </a:r>
+          </a:p>
+        </p:txBody>
+      </p:sp>
+    </p:spTree>
+    <p:extLst>
+      <p:ext uri="{BB962C8B-B14F-4D97-AF65-F5344CB8AC3E}">
+        <p14:creationId xmlns:p14="http://schemas.microsoft.com/office/powerpoint/2010/main" val="6978678"/>
+      </p:ext>
+    </p:extLst>
+  </p:cSld>
+  <p:clrMapOvr>
+    <a:masterClrMapping/>
+  </p:clrMapOvr>
+  <p:timing>
+    <p:tnLst>
+      <p:par>
+        <p:cTn id="1" dur="indefinite" restart="never" nodeType="tmRoot">
+          <p:childTnLst>
+            <p:seq concurrent="1" nextAc="seek">
+              <p:cTn id="2" dur="indefinite" nodeType="mainSeq">
+                <p:childTnLst>
+                  <p:par>
+                    <p:cTn id="3" fill="hold">
+                      <p:stCondLst>
+                        <p:cond delay="indefinite"/>
+                      </p:stCondLst>
+                      <p:childTnLst>
+                        <p:par>
+                          <p:cTn id="4" fill="hold">
+                            <p:stCondLst>
+                              <p:cond delay="0"/>
+                            </p:stCondLst>
+                            <p:childTnLst>
+                              <p:par>
+                                <p:cTn id="5" presetID="2" presetClass="entr" presetSubtype="4" fill="hold" grpId="0" nodeType="clickEffect">
+                                  <p:stCondLst>
+                                    <p:cond delay="0"/>
+                                  </p:stCondLst>
+                                  <p:childTnLst>
+                                    <p:set>
+                                      <p:cBhvr>
+                                        <p:cTn id="6" dur="1" fill="hold">
+                                          <p:stCondLst>
+                                            <p:cond delay="0"/>
+                                          </p:stCondLst>
+                                        </p:cTn>
+                                        <p:tgtEl>
+                                          <p:spTgt spid="3">
+                                            <p:txEl>
+                                              <p:pRg st="0" end="0"/>
+                                            </p:txEl>
+                                          </p:spTgt>
+                                        </p:tgtEl>
+                                        <p:attrNameLst>
+                                          <p:attrName>style.visibility</p:attrName>
+                                        </p:attrNameLst>
+                                      </p:cBhvr>
+                                      <p:to>
+                                        <p:strVal val="visible"/>
+                                      </p:to>
+                                    </p:set>
+                                    <p:anim calcmode="lin" valueType="num">
+                                      <p:cBhvr additive="base">
+                                        <p:cTn id="7" dur="500" fill="hold"/>
+                                        <p:tgtEl>
+                                          <p:spTgt spid="3">
+                                            <p:txEl>
+                                              <p:pRg st="0" end="0"/>
+                                            </p:txEl>
+                                          </p:spTgt>
+                                        </p:tgtEl>
+                                        <p:attrNameLst>
+                                          <p:attrName>ppt_x</p:attrName>
+                                        </p:attrNameLst>
+                                      </p:cBhvr>
+                                      <p:tavLst>
+                                        <p:tav tm="0">
+                                          <p:val>
+                                            <p:strVal val="#ppt_x"/>
+                                          </p:val>
+                                        </p:tav>
+                                        <p:tav tm="100000">
+                                          <p:val>
+                                            <p:strVal val="#ppt_x"/>
+                                          </p:val>
+                                        </p:tav>
+                                      </p:tavLst>
+                                    </p:anim>
+                                    <p:anim calcmode="lin" valueType="num">
+                                      <p:cBhvr additive="base">
+                                        <p:cTn id="8" dur="500" fill="hold"/>
+                                        <p:tgtEl>
+                                          <p:spTgt spid="3">
+                                            <p:txEl>
+                                              <p:pRg st="0" end="0"/>
+                                            </p:txEl>
+                                          </p:spTgt>
+                                        </p:tgtEl>
+                                        <p:attrNameLst>
+                                          <p:attrName>ppt_y</p:attrName>
+                                        </p:attrNameLst>
+                                      </p:cBhvr>
+                                      <p:tavLst>
+                                        <p:tav tm="0">
+                                          <p:val>
+                                            <p:strVal val="1+#ppt_h/2"/>
+                                          </p:val>
+                                        </p:tav>
+                                        <p:tav tm="100000">
+                                          <p:val>
+                                            <p:strVal val="#ppt_y"/>
+                                          </p:val>
+                                        </p:tav>
+                                      </p:tavLst>
+                                    </p:anim>
+                                  </p:childTnLst>
+                                </p:cTn>
+                              </p:par>
+                            </p:childTnLst>
+                          </p:cTn>
+                        </p:par>
+                      </p:childTnLst>
+                    </p:cTn>
+                  </p:par>
+                  <p:par>
+                    <p:cTn id="9" fill="hold">
+                      <p:stCondLst>
+                        <p:cond delay="indefinite"/>
+                      </p:stCondLst>
+                      <p:childTnLst>
+                        <p:par>
+                          <p:cTn id="10" fill="hold">
+                            <p:stCondLst>
+                              <p:cond delay="0"/>
+                            </p:stCondLst>
+                            <p:childTnLst>
+                              <p:par>
+                                <p:cTn id="11" presetID="2" presetClass="entr" presetSubtype="4" fill="hold" grpId="0" nodeType="clickEffect">
+                                  <p:stCondLst>
+                                    <p:cond delay="0"/>
+                                  </p:stCondLst>
+                                  <p:childTnLst>
+                                    <p:set>
+                                      <p:cBhvr>
+                                        <p:cTn id="12" dur="1" fill="hold">
+                                          <p:stCondLst>
+                                            <p:cond delay="0"/>
+                                          </p:stCondLst>
+                                        </p:cTn>
+                                        <p:tgtEl>
+                                          <p:spTgt spid="3">
+                                            <p:txEl>
+                                              <p:pRg st="2" end="2"/>
+                                            </p:txEl>
+                                          </p:spTgt>
+                                        </p:tgtEl>
+                                        <p:attrNameLst>
+                                          <p:attrName>style.visibility</p:attrName>
+                                        </p:attrNameLst>
+                                      </p:cBhvr>
+                                      <p:to>
+                                        <p:strVal val="visible"/>
+                                      </p:to>
+                                    </p:set>
+                                    <p:anim calcmode="lin" valueType="num">
+                                      <p:cBhvr additive="base">
+                                        <p:cTn id="13" dur="500" fill="hold"/>
+                                        <p:tgtEl>
+                                          <p:spTgt spid="3">
+                                            <p:txEl>
+                                              <p:pRg st="2" end="2"/>
+                                            </p:txEl>
+                                          </p:spTgt>
+                                        </p:tgtEl>
+                                        <p:attrNameLst>
+                                          <p:attrName>ppt_x</p:attrName>
+                                        </p:attrNameLst>
+                                      </p:cBhvr>
+                                      <p:tavLst>
+                                        <p:tav tm="0">
+                                          <p:val>
+                                            <p:strVal val="#ppt_x"/>
+                                          </p:val>
+                                        </p:tav>
+                                        <p:tav tm="100000">
+                                          <p:val>
+                                            <p:strVal val="#ppt_x"/>
+                                          </p:val>
+                                        </p:tav>
+                                      </p:tavLst>
+                                    </p:anim>
+                                    <p:anim calcmode="lin" valueType="num">
+                                      <p:cBhvr additive="base">
+                                        <p:cTn id="14" dur="500" fill="hold"/>
+                                        <p:tgtEl>
+                                          <p:spTgt spid="3">
+                                            <p:txEl>
+                                              <p:pRg st="2" end="2"/>
+                                            </p:txEl>
+                                          </p:spTgt>
+                                        </p:tgtEl>
+                                        <p:attrNameLst>
+                                          <p:attrName>ppt_y</p:attrName>
+                                        </p:attrNameLst>
+                                      </p:cBhvr>
+                                      <p:tavLst>
+                                        <p:tav tm="0">
+                                          <p:val>
+                                            <p:strVal val="1+#ppt_h/2"/>
+                                          </p:val>
+                                        </p:tav>
+                                        <p:tav tm="100000">
+                                          <p:val>
+                                            <p:strVal val="#ppt_y"/>
+                                          </p:val>
+                                        </p:tav>
+                                      </p:tavLst>
+                                    </p:anim>
+                                  </p:childTnLst>
+                                </p:cTn>
+                              </p:par>
+                            </p:childTnLst>
+                          </p:cTn>
+                        </p:par>
+                      </p:childTnLst>
+                    </p:cTn>
+                  </p:par>
+                  <p:par>
+                    <p:cTn id="15" fill="hold">
+                      <p:stCondLst>
+                        <p:cond delay="indefinite"/>
+                      </p:stCondLst>
+                      <p:childTnLst>
+                        <p:par>
+                          <p:cTn id="16" fill="hold">
+                            <p:stCondLst>
+                              <p:cond delay="0"/>
+                            </p:stCondLst>
+                            <p:childTnLst>
+                              <p:par>
+                                <p:cTn id="17" presetID="2" presetClass="entr" presetSubtype="4" fill="hold" grpId="0" nodeType="clickEffect">
+                                  <p:stCondLst>
+                                    <p:cond delay="0"/>
+                                  </p:stCondLst>
+                                  <p:childTnLst>
+                                    <p:set>
+                                      <p:cBhvr>
+                                        <p:cTn id="18" dur="1" fill="hold">
+                                          <p:stCondLst>
+                                            <p:cond delay="0"/>
+                                          </p:stCondLst>
+                                        </p:cTn>
+                                        <p:tgtEl>
+                                          <p:spTgt spid="3">
+                                            <p:txEl>
+                                              <p:pRg st="3" end="3"/>
+                                            </p:txEl>
+                                          </p:spTgt>
+                                        </p:tgtEl>
+                                        <p:attrNameLst>
+                                          <p:attrName>style.visibility</p:attrName>
+                                        </p:attrNameLst>
+                                      </p:cBhvr>
+                                      <p:to>
+                                        <p:strVal val="visible"/>
+                                      </p:to>
+                                    </p:set>
+                                    <p:anim calcmode="lin" valueType="num">
+                                      <p:cBhvr additive="base">
+                                        <p:cTn id="19" dur="500" fill="hold"/>
+                                        <p:tgtEl>
+                                          <p:spTgt spid="3">
+                                            <p:txEl>
+                                              <p:pRg st="3" end="3"/>
+                                            </p:txEl>
+                                          </p:spTgt>
+                                        </p:tgtEl>
+                                        <p:attrNameLst>
+                                          <p:attrName>ppt_x</p:attrName>
+                                        </p:attrNameLst>
+                                      </p:cBhvr>
+                                      <p:tavLst>
+                                        <p:tav tm="0">
+                                          <p:val>
+                                            <p:strVal val="#ppt_x"/>
+                                          </p:val>
+                                        </p:tav>
+                                        <p:tav tm="100000">
+                                          <p:val>
+                                            <p:strVal val="#ppt_x"/>
+                                          </p:val>
+                                        </p:tav>
+                                      </p:tavLst>
+                                    </p:anim>
+                                    <p:anim calcmode="lin" valueType="num">
+                                      <p:cBhvr additive="base">
+                                        <p:cTn id="20" dur="500" fill="hold"/>
+                                        <p:tgtEl>
+                                          <p:spTgt spid="3">
+                                            <p:txEl>
+                                              <p:pRg st="3" end="3"/>
+                                            </p:txEl>
+                                          </p:spTgt>
+                                        </p:tgtEl>
+                                        <p:attrNameLst>
+                                          <p:attrName>ppt_y</p:attrName>
+                                        </p:attrNameLst>
+                                      </p:cBhvr>
+                                      <p:tavLst>
+                                        <p:tav tm="0">
+                                          <p:val>
+                                            <p:strVal val="1+#ppt_h/2"/>
+                                          </p:val>
+                                        </p:tav>
+                                        <p:tav tm="100000">
+                                          <p:val>
+                                            <p:strVal val="#ppt_y"/>
+                                          </p:val>
+                                        </p:tav>
+                                      </p:tavLst>
+                                    </p:anim>
+                                  </p:childTnLst>
+                                </p:cTn>
+                              </p:par>
+                            </p:childTnLst>
+                          </p:cTn>
+                        </p:par>
+                      </p:childTnLst>
+                    </p:cTn>
+                  </p:par>
+                  <p:par>
+                    <p:cTn id="21" fill="hold">
+                      <p:stCondLst>
+                        <p:cond delay="indefinite"/>
+                      </p:stCondLst>
+                      <p:childTnLst>
+                        <p:par>
+                          <p:cTn id="22" fill="hold">
+                            <p:stCondLst>
+                              <p:cond delay="0"/>
+                            </p:stCondLst>
+                            <p:childTnLst>
+                              <p:par>
+                                <p:cTn id="23" presetID="2" presetClass="entr" presetSubtype="4" fill="hold" grpId="0" nodeType="clickEffect">
+                                  <p:stCondLst>
+                                    <p:cond delay="0"/>
+                                  </p:stCondLst>
+                                  <p:childTnLst>
+                                    <p:set>
+                                      <p:cBhvr>
+                                        <p:cTn id="24" dur="1" fill="hold">
+                                          <p:stCondLst>
+                                            <p:cond delay="0"/>
+                                          </p:stCondLst>
+                                        </p:cTn>
+                                        <p:tgtEl>
+                                          <p:spTgt spid="3">
+                                            <p:txEl>
+                                              <p:pRg st="4" end="4"/>
+                                            </p:txEl>
+                                          </p:spTgt>
+                                        </p:tgtEl>
+                                        <p:attrNameLst>
+                                          <p:attrName>style.visibility</p:attrName>
+                                        </p:attrNameLst>
+                                      </p:cBhvr>
+                                      <p:to>
+                                        <p:strVal val="visible"/>
+                                      </p:to>
+                                    </p:set>
+                                    <p:anim calcmode="lin" valueType="num">
+                                      <p:cBhvr additive="base">
+                                        <p:cTn id="25" dur="500" fill="hold"/>
+                                        <p:tgtEl>
+                                          <p:spTgt spid="3">
+                                            <p:txEl>
+                                              <p:pRg st="4" end="4"/>
+                                            </p:txEl>
+                                          </p:spTgt>
+                                        </p:tgtEl>
+                                        <p:attrNameLst>
+                                          <p:attrName>ppt_x</p:attrName>
+                                        </p:attrNameLst>
+                                      </p:cBhvr>
+                                      <p:tavLst>
+                                        <p:tav tm="0">
+                                          <p:val>
+                                            <p:strVal val="#ppt_x"/>
+                                          </p:val>
+                                        </p:tav>
+                                        <p:tav tm="100000">
+                                          <p:val>
+                                            <p:strVal val="#ppt_x"/>
+                                          </p:val>
+                                        </p:tav>
+                                      </p:tavLst>
+                                    </p:anim>
+                                    <p:anim calcmode="lin" valueType="num">
+                                      <p:cBhvr additive="base">
+                                        <p:cTn id="26" dur="500" fill="hold"/>
+                                        <p:tgtEl>
+                                          <p:spTgt spid="3">
+                                            <p:txEl>
+                                              <p:pRg st="4" end="4"/>
+                                            </p:txEl>
+                                          </p:spTgt>
+                                        </p:tgtEl>
+                                        <p:attrNameLst>
+                                          <p:attrName>ppt_y</p:attrName>
+                                        </p:attrNameLst>
+                                      </p:cBhvr>
+                                      <p:tavLst>
+                                        <p:tav tm="0">
+                                          <p:val>
+                                            <p:strVal val="1+#ppt_h/2"/>
+                                          </p:val>
+                                        </p:tav>
+                                        <p:tav tm="100000">
+                                          <p:val>
+                                            <p:strVal val="#ppt_y"/>
+                                          </p:val>
+                                        </p:tav>
+                                      </p:tavLst>
+                                    </p:anim>
+                                  </p:childTnLst>
+                                </p:cTn>
+                              </p:par>
+                            </p:childTnLst>
+                          </p:cTn>
+                        </p:par>
+                      </p:childTnLst>
+                    </p:cTn>
+                  </p:par>
+                </p:childTnLst>
+              </p:cTn>
+              <p:prevCondLst>
+                <p:cond evt="onPrev" delay="0">
+                  <p:tgtEl>
+                    <p:sldTgt/>
+                  </p:tgtEl>
+                </p:cond>
+              </p:prevCondLst>
+              <p:nextCondLst>
+                <p:cond evt="onNext" delay="0">
+                  <p:tgtEl>
+                    <p:sldTgt/>
+                  </p:tgtEl>
+                </p:cond>
+              </p:nextCondLst>
+            </p:seq>
+          </p:childTnLst>
+        </p:cTn>
+      </p:par>
+    </p:tnLst>
+    <p:bldLst>
+      <p:bldP spid="3" grpId="0" build="p"/>
+    </p:bldLst>
+  </p:timing>
+</p:sld>
+</file>
+
+<file path=ppt/slides/slide13.xml><?xml version="1.0" encoding="utf-8"?>
+<p:sld xmlns:a="http://schemas.openxmlformats.org/drawingml/2006/main" xmlns:r="http://schemas.openxmlformats.org/officeDocument/2006/relationships" xmlns:p="http://schemas.openxmlformats.org/presentationml/2006/main">
+  <p:cSld>
+    <p:spTree>
+      <p:nvGrpSpPr>
+        <p:cNvPr id="1" name=""/>
+        <p:cNvGrpSpPr/>
+        <p:nvPr/>
+      </p:nvGrpSpPr>
+      <p:grpSpPr>
+        <a:xfrm>
+          <a:off x="0" y="0"/>
+          <a:ext cx="0" cy="0"/>
+          <a:chOff x="0" y="0"/>
+          <a:chExt cx="0" cy="0"/>
+        </a:xfrm>
+      </p:grpSpPr>
+      <p:sp>
+        <p:nvSpPr>
+          <p:cNvPr id="2" name="Title 1">
+            <a:extLst>
+              <a:ext uri="{FF2B5EF4-FFF2-40B4-BE49-F238E27FC236}">
+                <a16:creationId xmlns:a16="http://schemas.microsoft.com/office/drawing/2014/main" id="{63A42EC0-510E-4E0F-875C-3D8C96B14A29}"/>
+              </a:ext>
+            </a:extLst>
+          </p:cNvPr>
+          <p:cNvSpPr>
+            <a:spLocks noGrp="1"/>
+          </p:cNvSpPr>
+          <p:nvPr>
+            <p:ph type="title"/>
+          </p:nvPr>
+        </p:nvSpPr>
+        <p:spPr/>
+        <p:txBody>
+          <a:bodyPr/>
+          <a:lstStyle/>
+          <a:p>
+            <a:r>
+              <a:rPr lang="en-US" dirty="0"/>
+              <a:t>And operator (&amp;&amp;)</a:t>
+            </a:r>
+          </a:p>
+        </p:txBody>
+      </p:sp>
+      <p:pic>
+        <p:nvPicPr>
+          <p:cNvPr id="5" name="Picture 4">
+            <a:extLst>
+              <a:ext uri="{FF2B5EF4-FFF2-40B4-BE49-F238E27FC236}">
+                <a16:creationId xmlns:a16="http://schemas.microsoft.com/office/drawing/2014/main" id="{3790EF21-2CCA-420B-A7E6-0EBE9B7EFDAE}"/>
+              </a:ext>
+            </a:extLst>
+          </p:cNvPr>
+          <p:cNvPicPr>
+            <a:picLocks noChangeAspect="1"/>
+          </p:cNvPicPr>
+          <p:nvPr/>
+        </p:nvPicPr>
+        <p:blipFill>
+          <a:blip r:embed="rId2"/>
+          <a:stretch>
+            <a:fillRect/>
+          </a:stretch>
+        </p:blipFill>
+        <p:spPr>
+          <a:xfrm>
+            <a:off x="810000" y="3022506"/>
+            <a:ext cx="10520648" cy="2320459"/>
+          </a:xfrm>
+          <a:prstGeom prst="rect">
+            <a:avLst/>
+          </a:prstGeom>
+        </p:spPr>
+      </p:pic>
+    </p:spTree>
+    <p:extLst>
+      <p:ext uri="{BB962C8B-B14F-4D97-AF65-F5344CB8AC3E}">
+        <p14:creationId xmlns:p14="http://schemas.microsoft.com/office/powerpoint/2010/main" val="1648716043"/>
+      </p:ext>
+    </p:extLst>
+  </p:cSld>
+  <p:clrMapOvr>
+    <a:masterClrMapping/>
+  </p:clrMapOvr>
+</p:sld>
+</file>
+
+<file path=ppt/slides/slide14.xml><?xml version="1.0" encoding="utf-8"?>
+<p:sld xmlns:a="http://schemas.openxmlformats.org/drawingml/2006/main" xmlns:r="http://schemas.openxmlformats.org/officeDocument/2006/relationships" xmlns:p="http://schemas.openxmlformats.org/presentationml/2006/main">
+  <p:cSld>
+    <p:spTree>
+      <p:nvGrpSpPr>
+        <p:cNvPr id="1" name=""/>
+        <p:cNvGrpSpPr/>
+        <p:nvPr/>
+      </p:nvGrpSpPr>
+      <p:grpSpPr>
+        <a:xfrm>
+          <a:off x="0" y="0"/>
+          <a:ext cx="0" cy="0"/>
+          <a:chOff x="0" y="0"/>
+          <a:chExt cx="0" cy="0"/>
+        </a:xfrm>
+      </p:grpSpPr>
+      <p:sp>
+        <p:nvSpPr>
+          <p:cNvPr id="2" name="Title 1">
+            <a:extLst>
+              <a:ext uri="{FF2B5EF4-FFF2-40B4-BE49-F238E27FC236}">
                 <a16:creationId xmlns:a16="http://schemas.microsoft.com/office/drawing/2014/main" id="{67ABCBD1-48F9-40AE-896F-14B66BB621C6}"/>
               </a:ext>
             </a:extLst>
@@ -8035,7 +8840,7 @@
 </p:sld>
 </file>
 
-<file path=ppt/slides/slide13.xml><?xml version="1.0" encoding="utf-8"?>
+<file path=ppt/slides/slide15.xml><?xml version="1.0" encoding="utf-8"?>
 <p:sld xmlns:a="http://schemas.openxmlformats.org/drawingml/2006/main" xmlns:r="http://schemas.openxmlformats.org/officeDocument/2006/relationships" xmlns:p="http://schemas.openxmlformats.org/presentationml/2006/main">
   <p:cSld>
     <p:bg>
@@ -8340,7 +9145,7 @@
 </p:sld>
 </file>
 
-<file path=ppt/slides/slide14.xml><?xml version="1.0" encoding="utf-8"?>
+<file path=ppt/slides/slide16.xml><?xml version="1.0" encoding="utf-8"?>
 <p:sld xmlns:a="http://schemas.openxmlformats.org/drawingml/2006/main" xmlns:r="http://schemas.openxmlformats.org/officeDocument/2006/relationships" xmlns:p="http://schemas.openxmlformats.org/presentationml/2006/main">
   <p:cSld>
     <p:spTree>
@@ -9387,7 +10192,7 @@
 </p:sld>
 </file>
 
-<file path=ppt/slides/slide15.xml><?xml version="1.0" encoding="utf-8"?>
+<file path=ppt/slides/slide17.xml><?xml version="1.0" encoding="utf-8"?>
 <p:sld xmlns:a="http://schemas.openxmlformats.org/drawingml/2006/main" xmlns:r="http://schemas.openxmlformats.org/officeDocument/2006/relationships" xmlns:p="http://schemas.openxmlformats.org/presentationml/2006/main">
   <p:cSld>
     <p:spTree>
@@ -9934,7 +10739,7 @@
 </p:sld>
 </file>
 
-<file path=ppt/slides/slide16.xml><?xml version="1.0" encoding="utf-8"?>
+<file path=ppt/slides/slide18.xml><?xml version="1.0" encoding="utf-8"?>
 <p:sld xmlns:a="http://schemas.openxmlformats.org/drawingml/2006/main" xmlns:r="http://schemas.openxmlformats.org/officeDocument/2006/relationships" xmlns:p="http://schemas.openxmlformats.org/presentationml/2006/main">
   <p:cSld>
     <p:spTree>
@@ -10505,7 +11310,7 @@
 </p:sld>
 </file>
 
-<file path=ppt/slides/slide17.xml><?xml version="1.0" encoding="utf-8"?>
+<file path=ppt/slides/slide19.xml><?xml version="1.0" encoding="utf-8"?>
 <p:sld xmlns:a="http://schemas.openxmlformats.org/drawingml/2006/main" xmlns:r="http://schemas.openxmlformats.org/officeDocument/2006/relationships" xmlns:p="http://schemas.openxmlformats.org/presentationml/2006/main">
   <p:cSld>
     <p:spTree>
@@ -10887,7 +11692,167 @@
 </p:sld>
 </file>
 
-<file path=ppt/slides/slide18.xml><?xml version="1.0" encoding="utf-8"?>
+<file path=ppt/slides/slide2.xml><?xml version="1.0" encoding="utf-8"?>
+<p:sld xmlns:a="http://schemas.openxmlformats.org/drawingml/2006/main" xmlns:r="http://schemas.openxmlformats.org/officeDocument/2006/relationships" xmlns:p="http://schemas.openxmlformats.org/presentationml/2006/main">
+  <p:cSld>
+    <p:spTree>
+      <p:nvGrpSpPr>
+        <p:cNvPr id="1" name=""/>
+        <p:cNvGrpSpPr/>
+        <p:nvPr/>
+      </p:nvGrpSpPr>
+      <p:grpSpPr>
+        <a:xfrm>
+          <a:off x="0" y="0"/>
+          <a:ext cx="0" cy="0"/>
+          <a:chOff x="0" y="0"/>
+          <a:chExt cx="0" cy="0"/>
+        </a:xfrm>
+      </p:grpSpPr>
+      <p:sp>
+        <p:nvSpPr>
+          <p:cNvPr id="2" name="Title 1">
+            <a:extLst>
+              <a:ext uri="{FF2B5EF4-FFF2-40B4-BE49-F238E27FC236}">
+                <a16:creationId xmlns:a16="http://schemas.microsoft.com/office/drawing/2014/main" id="{8D89ACF0-8E2A-4994-9841-16D9C238876E}"/>
+              </a:ext>
+            </a:extLst>
+          </p:cNvPr>
+          <p:cNvSpPr>
+            <a:spLocks noGrp="1"/>
+          </p:cNvSpPr>
+          <p:nvPr>
+            <p:ph type="title"/>
+          </p:nvPr>
+        </p:nvSpPr>
+        <p:spPr>
+          <a:xfrm>
+            <a:off x="861295" y="486222"/>
+            <a:ext cx="4852988" cy="2773445"/>
+          </a:xfrm>
+        </p:spPr>
+        <p:txBody>
+          <a:bodyPr>
+            <a:noAutofit/>
+          </a:bodyPr>
+          <a:lstStyle/>
+          <a:p>
+            <a:r>
+              <a:rPr lang="en-US" sz="4400">
+                <a:latin typeface="Centaur" panose="02030504050205020304" pitchFamily="18" charset="0"/>
+              </a:rPr>
+              <a:t>The most </a:t>
+            </a:r>
+            <a:r>
+              <a:rPr lang="en-US" sz="4400">
+                <a:solidFill>
+                  <a:srgbClr val="FF0000"/>
+                </a:solidFill>
+                <a:latin typeface="Centaur" panose="02030504050205020304" pitchFamily="18" charset="0"/>
+              </a:rPr>
+              <a:t>damaging</a:t>
+            </a:r>
+            <a:r>
+              <a:rPr lang="en-US" sz="4400">
+                <a:latin typeface="Centaur" panose="02030504050205020304" pitchFamily="18" charset="0"/>
+              </a:rPr>
+              <a:t> phrase in the language is… “it's </a:t>
+            </a:r>
+            <a:r>
+              <a:rPr lang="en-US" sz="4400">
+                <a:solidFill>
+                  <a:srgbClr val="FFC000"/>
+                </a:solidFill>
+                <a:latin typeface="Centaur" panose="02030504050205020304" pitchFamily="18" charset="0"/>
+              </a:rPr>
+              <a:t>always</a:t>
+            </a:r>
+            <a:r>
+              <a:rPr lang="en-US" sz="4400">
+                <a:latin typeface="Centaur" panose="02030504050205020304" pitchFamily="18" charset="0"/>
+              </a:rPr>
+              <a:t> been done this way”</a:t>
+            </a:r>
+            <a:endParaRPr lang="en-US" sz="4400" dirty="0">
+              <a:latin typeface="Centaur" panose="02030504050205020304" pitchFamily="18" charset="0"/>
+            </a:endParaRPr>
+          </a:p>
+        </p:txBody>
+      </p:sp>
+      <p:pic>
+        <p:nvPicPr>
+          <p:cNvPr id="9" name="Picture Placeholder 8" descr="A group of people sitting in a classroom&#10;&#10;Description automatically generated with low confidence">
+            <a:extLst>
+              <a:ext uri="{FF2B5EF4-FFF2-40B4-BE49-F238E27FC236}">
+                <a16:creationId xmlns:a16="http://schemas.microsoft.com/office/drawing/2014/main" id="{CA7FB95F-E501-4967-9C2D-24FEDCC01929}"/>
+              </a:ext>
+            </a:extLst>
+          </p:cNvPr>
+          <p:cNvPicPr>
+            <a:picLocks noGrp="1" noChangeAspect="1"/>
+          </p:cNvPicPr>
+          <p:nvPr>
+            <p:ph type="pic" sz="quarter" idx="13"/>
+          </p:nvPr>
+        </p:nvPicPr>
+        <p:blipFill>
+          <a:blip r:embed="rId2"/>
+          <a:srcRect l="15673" r="15673"/>
+          <a:stretch>
+            <a:fillRect/>
+          </a:stretch>
+        </p:blipFill>
+        <p:spPr/>
+      </p:pic>
+      <p:sp>
+        <p:nvSpPr>
+          <p:cNvPr id="4" name="Text Placeholder 3">
+            <a:extLst>
+              <a:ext uri="{FF2B5EF4-FFF2-40B4-BE49-F238E27FC236}">
+                <a16:creationId xmlns:a16="http://schemas.microsoft.com/office/drawing/2014/main" id="{AF0A23E3-FE77-4087-A4B6-97AAD49E7CB2}"/>
+              </a:ext>
+            </a:extLst>
+          </p:cNvPr>
+          <p:cNvSpPr>
+            <a:spLocks noGrp="1"/>
+          </p:cNvSpPr>
+          <p:nvPr>
+            <p:ph type="body" sz="half" idx="2"/>
+          </p:nvPr>
+        </p:nvSpPr>
+        <p:spPr>
+          <a:xfrm>
+            <a:off x="861295" y="3352801"/>
+            <a:ext cx="5192372" cy="787399"/>
+          </a:xfrm>
+        </p:spPr>
+        <p:txBody>
+          <a:bodyPr>
+            <a:normAutofit/>
+          </a:bodyPr>
+          <a:lstStyle/>
+          <a:p>
+            <a:r>
+              <a:rPr lang="en-US" sz="1800" dirty="0"/>
+              <a:t>- Grace Hopper</a:t>
+            </a:r>
+          </a:p>
+        </p:txBody>
+      </p:sp>
+    </p:spTree>
+    <p:extLst>
+      <p:ext uri="{BB962C8B-B14F-4D97-AF65-F5344CB8AC3E}">
+        <p14:creationId xmlns:p14="http://schemas.microsoft.com/office/powerpoint/2010/main" val="2737077364"/>
+      </p:ext>
+    </p:extLst>
+  </p:cSld>
+  <p:clrMapOvr>
+    <a:masterClrMapping/>
+  </p:clrMapOvr>
+</p:sld>
+</file>
+
+<file path=ppt/slides/slide20.xml><?xml version="1.0" encoding="utf-8"?>
 <p:sld xmlns:a="http://schemas.openxmlformats.org/drawingml/2006/main" xmlns:r="http://schemas.openxmlformats.org/officeDocument/2006/relationships" xmlns:p="http://schemas.openxmlformats.org/presentationml/2006/main">
   <p:cSld>
     <p:spTree>
@@ -11269,7 +12234,7 @@
 </p:sld>
 </file>
 
-<file path=ppt/slides/slide19.xml><?xml version="1.0" encoding="utf-8"?>
+<file path=ppt/slides/slide21.xml><?xml version="1.0" encoding="utf-8"?>
 <p:sld xmlns:a="http://schemas.openxmlformats.org/drawingml/2006/main" xmlns:r="http://schemas.openxmlformats.org/officeDocument/2006/relationships" xmlns:p="http://schemas.openxmlformats.org/presentationml/2006/main">
   <p:cSld>
     <p:spTree>
@@ -11651,167 +12616,7 @@
 </p:sld>
 </file>
 
-<file path=ppt/slides/slide2.xml><?xml version="1.0" encoding="utf-8"?>
-<p:sld xmlns:a="http://schemas.openxmlformats.org/drawingml/2006/main" xmlns:r="http://schemas.openxmlformats.org/officeDocument/2006/relationships" xmlns:p="http://schemas.openxmlformats.org/presentationml/2006/main">
-  <p:cSld>
-    <p:spTree>
-      <p:nvGrpSpPr>
-        <p:cNvPr id="1" name=""/>
-        <p:cNvGrpSpPr/>
-        <p:nvPr/>
-      </p:nvGrpSpPr>
-      <p:grpSpPr>
-        <a:xfrm>
-          <a:off x="0" y="0"/>
-          <a:ext cx="0" cy="0"/>
-          <a:chOff x="0" y="0"/>
-          <a:chExt cx="0" cy="0"/>
-        </a:xfrm>
-      </p:grpSpPr>
-      <p:sp>
-        <p:nvSpPr>
-          <p:cNvPr id="2" name="Title 1">
-            <a:extLst>
-              <a:ext uri="{FF2B5EF4-FFF2-40B4-BE49-F238E27FC236}">
-                <a16:creationId xmlns:a16="http://schemas.microsoft.com/office/drawing/2014/main" id="{8D89ACF0-8E2A-4994-9841-16D9C238876E}"/>
-              </a:ext>
-            </a:extLst>
-          </p:cNvPr>
-          <p:cNvSpPr>
-            <a:spLocks noGrp="1"/>
-          </p:cNvSpPr>
-          <p:nvPr>
-            <p:ph type="title"/>
-          </p:nvPr>
-        </p:nvSpPr>
-        <p:spPr>
-          <a:xfrm>
-            <a:off x="861295" y="486222"/>
-            <a:ext cx="4852988" cy="2773445"/>
-          </a:xfrm>
-        </p:spPr>
-        <p:txBody>
-          <a:bodyPr>
-            <a:noAutofit/>
-          </a:bodyPr>
-          <a:lstStyle/>
-          <a:p>
-            <a:r>
-              <a:rPr lang="en-US" sz="4400">
-                <a:latin typeface="Centaur" panose="02030504050205020304" pitchFamily="18" charset="0"/>
-              </a:rPr>
-              <a:t>The most </a:t>
-            </a:r>
-            <a:r>
-              <a:rPr lang="en-US" sz="4400">
-                <a:solidFill>
-                  <a:srgbClr val="FF0000"/>
-                </a:solidFill>
-                <a:latin typeface="Centaur" panose="02030504050205020304" pitchFamily="18" charset="0"/>
-              </a:rPr>
-              <a:t>damaging</a:t>
-            </a:r>
-            <a:r>
-              <a:rPr lang="en-US" sz="4400">
-                <a:latin typeface="Centaur" panose="02030504050205020304" pitchFamily="18" charset="0"/>
-              </a:rPr>
-              <a:t> phrase in the language is… “it's </a:t>
-            </a:r>
-            <a:r>
-              <a:rPr lang="en-US" sz="4400">
-                <a:solidFill>
-                  <a:srgbClr val="FFC000"/>
-                </a:solidFill>
-                <a:latin typeface="Centaur" panose="02030504050205020304" pitchFamily="18" charset="0"/>
-              </a:rPr>
-              <a:t>always</a:t>
-            </a:r>
-            <a:r>
-              <a:rPr lang="en-US" sz="4400">
-                <a:latin typeface="Centaur" panose="02030504050205020304" pitchFamily="18" charset="0"/>
-              </a:rPr>
-              <a:t> been done this way”</a:t>
-            </a:r>
-            <a:endParaRPr lang="en-US" sz="4400" dirty="0">
-              <a:latin typeface="Centaur" panose="02030504050205020304" pitchFamily="18" charset="0"/>
-            </a:endParaRPr>
-          </a:p>
-        </p:txBody>
-      </p:sp>
-      <p:pic>
-        <p:nvPicPr>
-          <p:cNvPr id="9" name="Picture Placeholder 8" descr="A group of people sitting in a classroom&#10;&#10;Description automatically generated with low confidence">
-            <a:extLst>
-              <a:ext uri="{FF2B5EF4-FFF2-40B4-BE49-F238E27FC236}">
-                <a16:creationId xmlns:a16="http://schemas.microsoft.com/office/drawing/2014/main" id="{CA7FB95F-E501-4967-9C2D-24FEDCC01929}"/>
-              </a:ext>
-            </a:extLst>
-          </p:cNvPr>
-          <p:cNvPicPr>
-            <a:picLocks noGrp="1" noChangeAspect="1"/>
-          </p:cNvPicPr>
-          <p:nvPr>
-            <p:ph type="pic" sz="quarter" idx="13"/>
-          </p:nvPr>
-        </p:nvPicPr>
-        <p:blipFill>
-          <a:blip r:embed="rId2"/>
-          <a:srcRect l="15673" r="15673"/>
-          <a:stretch>
-            <a:fillRect/>
-          </a:stretch>
-        </p:blipFill>
-        <p:spPr/>
-      </p:pic>
-      <p:sp>
-        <p:nvSpPr>
-          <p:cNvPr id="4" name="Text Placeholder 3">
-            <a:extLst>
-              <a:ext uri="{FF2B5EF4-FFF2-40B4-BE49-F238E27FC236}">
-                <a16:creationId xmlns:a16="http://schemas.microsoft.com/office/drawing/2014/main" id="{AF0A23E3-FE77-4087-A4B6-97AAD49E7CB2}"/>
-              </a:ext>
-            </a:extLst>
-          </p:cNvPr>
-          <p:cNvSpPr>
-            <a:spLocks noGrp="1"/>
-          </p:cNvSpPr>
-          <p:nvPr>
-            <p:ph type="body" sz="half" idx="2"/>
-          </p:nvPr>
-        </p:nvSpPr>
-        <p:spPr>
-          <a:xfrm>
-            <a:off x="861295" y="3352801"/>
-            <a:ext cx="5192372" cy="787399"/>
-          </a:xfrm>
-        </p:spPr>
-        <p:txBody>
-          <a:bodyPr>
-            <a:normAutofit/>
-          </a:bodyPr>
-          <a:lstStyle/>
-          <a:p>
-            <a:r>
-              <a:rPr lang="en-US" sz="1800" dirty="0"/>
-              <a:t>- Grace Hopper</a:t>
-            </a:r>
-          </a:p>
-        </p:txBody>
-      </p:sp>
-    </p:spTree>
-    <p:extLst>
-      <p:ext uri="{BB962C8B-B14F-4D97-AF65-F5344CB8AC3E}">
-        <p14:creationId xmlns:p14="http://schemas.microsoft.com/office/powerpoint/2010/main" val="2737077364"/>
-      </p:ext>
-    </p:extLst>
-  </p:cSld>
-  <p:clrMapOvr>
-    <a:masterClrMapping/>
-  </p:clrMapOvr>
-</p:sld>
-</file>
-
-<file path=ppt/slides/slide20.xml><?xml version="1.0" encoding="utf-8"?>
+<file path=ppt/slides/slide22.xml><?xml version="1.0" encoding="utf-8"?>
 <p:sld xmlns:a="http://schemas.openxmlformats.org/drawingml/2006/main" xmlns:r="http://schemas.openxmlformats.org/officeDocument/2006/relationships" xmlns:p="http://schemas.openxmlformats.org/presentationml/2006/main">
   <p:cSld>
     <p:spTree>
@@ -12193,7 +12998,7 @@
 </p:sld>
 </file>
 
-<file path=ppt/slides/slide21.xml><?xml version="1.0" encoding="utf-8"?>
+<file path=ppt/slides/slide23.xml><?xml version="1.0" encoding="utf-8"?>
 <p:sld xmlns:a="http://schemas.openxmlformats.org/drawingml/2006/main" xmlns:r="http://schemas.openxmlformats.org/officeDocument/2006/relationships" xmlns:p="http://schemas.openxmlformats.org/presentationml/2006/main">
   <p:cSld>
     <p:spTree>
@@ -12981,7 +13786,7 @@
 </p:sld>
 </file>
 
-<file path=ppt/slides/slide22.xml><?xml version="1.0" encoding="utf-8"?>
+<file path=ppt/slides/slide24.xml><?xml version="1.0" encoding="utf-8"?>
 <p:sld xmlns:a="http://schemas.openxmlformats.org/drawingml/2006/main" xmlns:r="http://schemas.openxmlformats.org/officeDocument/2006/relationships" xmlns:p="http://schemas.openxmlformats.org/presentationml/2006/main">
   <p:cSld>
     <p:spTree>
@@ -13338,7 +14143,7 @@
 </p:sld>
 </file>
 
-<file path=ppt/slides/slide23.xml><?xml version="1.0" encoding="utf-8"?>
+<file path=ppt/slides/slide25.xml><?xml version="1.0" encoding="utf-8"?>
 <p:sld xmlns:a="http://schemas.openxmlformats.org/drawingml/2006/main" xmlns:r="http://schemas.openxmlformats.org/officeDocument/2006/relationships" xmlns:p="http://schemas.openxmlformats.org/presentationml/2006/main">
   <p:cSld>
     <p:spTree>
@@ -14226,7 +15031,7 @@
 </p:sld>
 </file>
 
-<file path=ppt/slides/slide24.xml><?xml version="1.0" encoding="utf-8"?>
+<file path=ppt/slides/slide26.xml><?xml version="1.0" encoding="utf-8"?>
 <p:sld xmlns:a="http://schemas.openxmlformats.org/drawingml/2006/main" xmlns:r="http://schemas.openxmlformats.org/officeDocument/2006/relationships" xmlns:p="http://schemas.openxmlformats.org/presentationml/2006/main">
   <p:cSld>
     <p:spTree>
@@ -14808,7 +15613,7 @@
 </p:sld>
 </file>
 
-<file path=ppt/slides/slide25.xml><?xml version="1.0" encoding="utf-8"?>
+<file path=ppt/slides/slide27.xml><?xml version="1.0" encoding="utf-8"?>
 <p:sld xmlns:a="http://schemas.openxmlformats.org/drawingml/2006/main" xmlns:r="http://schemas.openxmlformats.org/officeDocument/2006/relationships" xmlns:p="http://schemas.openxmlformats.org/presentationml/2006/main">
   <p:cSld>
     <p:spTree>
@@ -15321,7 +16126,7 @@
 </p:sld>
 </file>
 
-<file path=ppt/slides/slide26.xml><?xml version="1.0" encoding="utf-8"?>
+<file path=ppt/slides/slide28.xml><?xml version="1.0" encoding="utf-8"?>
 <p:sld xmlns:a="http://schemas.openxmlformats.org/drawingml/2006/main" xmlns:r="http://schemas.openxmlformats.org/officeDocument/2006/relationships" xmlns:p="http://schemas.openxmlformats.org/presentationml/2006/main">
   <p:cSld>
     <p:spTree>
@@ -16079,7 +16884,7 @@
 </p:sld>
 </file>
 
-<file path=ppt/slides/slide27.xml><?xml version="1.0" encoding="utf-8"?>
+<file path=ppt/slides/slide29.xml><?xml version="1.0" encoding="utf-8"?>
 <p:sld xmlns:a="http://schemas.openxmlformats.org/drawingml/2006/main" xmlns:r="http://schemas.openxmlformats.org/officeDocument/2006/relationships" xmlns:p="http://schemas.openxmlformats.org/presentationml/2006/main">
   <p:cSld>
     <p:spTree>
@@ -17014,878 +17819,6 @@
 </p:sld>
 </file>
 
-<file path=ppt/slides/slide28.xml><?xml version="1.0" encoding="utf-8"?>
-<p:sld xmlns:a="http://schemas.openxmlformats.org/drawingml/2006/main" xmlns:r="http://schemas.openxmlformats.org/officeDocument/2006/relationships" xmlns:p="http://schemas.openxmlformats.org/presentationml/2006/main">
-  <p:cSld>
-    <p:spTree>
-      <p:nvGrpSpPr>
-        <p:cNvPr id="1" name=""/>
-        <p:cNvGrpSpPr/>
-        <p:nvPr/>
-      </p:nvGrpSpPr>
-      <p:grpSpPr>
-        <a:xfrm>
-          <a:off x="0" y="0"/>
-          <a:ext cx="0" cy="0"/>
-          <a:chOff x="0" y="0"/>
-          <a:chExt cx="0" cy="0"/>
-        </a:xfrm>
-      </p:grpSpPr>
-      <p:sp>
-        <p:nvSpPr>
-          <p:cNvPr id="2" name="Title 1">
-            <a:extLst>
-              <a:ext uri="{FF2B5EF4-FFF2-40B4-BE49-F238E27FC236}">
-                <a16:creationId xmlns:a16="http://schemas.microsoft.com/office/drawing/2014/main" id="{5665E4BC-614A-4077-A23A-146FD9F50E0B}"/>
-              </a:ext>
-            </a:extLst>
-          </p:cNvPr>
-          <p:cNvSpPr>
-            <a:spLocks noGrp="1"/>
-          </p:cNvSpPr>
-          <p:nvPr>
-            <p:ph type="title"/>
-          </p:nvPr>
-        </p:nvSpPr>
-        <p:spPr/>
-        <p:txBody>
-          <a:bodyPr/>
-          <a:lstStyle/>
-          <a:p>
-            <a:r>
-              <a:rPr lang="en-US" dirty="0"/>
-              <a:t>double</a:t>
-            </a:r>
-          </a:p>
-        </p:txBody>
-      </p:sp>
-      <p:sp>
-        <p:nvSpPr>
-          <p:cNvPr id="3" name="Content Placeholder 2">
-            <a:extLst>
-              <a:ext uri="{FF2B5EF4-FFF2-40B4-BE49-F238E27FC236}">
-                <a16:creationId xmlns:a16="http://schemas.microsoft.com/office/drawing/2014/main" id="{F3504E5C-24C1-4C28-898E-AABB57D47FC9}"/>
-              </a:ext>
-            </a:extLst>
-          </p:cNvPr>
-          <p:cNvSpPr>
-            <a:spLocks noGrp="1"/>
-          </p:cNvSpPr>
-          <p:nvPr>
-            <p:ph idx="1"/>
-          </p:nvPr>
-        </p:nvSpPr>
-        <p:spPr>
-          <a:xfrm>
-            <a:off x="818712" y="2222287"/>
-            <a:ext cx="10554574" cy="4106546"/>
-          </a:xfrm>
-          <a:effectLst/>
-        </p:spPr>
-        <p:txBody>
-          <a:bodyPr>
-            <a:normAutofit/>
-          </a:bodyPr>
-          <a:lstStyle/>
-          <a:p>
-            <a:pPr marL="0" indent="0">
-              <a:buNone/>
-            </a:pPr>
-            <a:r>
-              <a:rPr lang="en-US" sz="3600" dirty="0">
-                <a:effectLst>
-                  <a:outerShdw blurRad="50800" dist="38100" dir="2700000" algn="tl" rotWithShape="0">
-                    <a:prstClr val="black">
-                      <a:alpha val="40000"/>
-                    </a:prstClr>
-                  </a:outerShdw>
-                </a:effectLst>
-              </a:rPr>
-              <a:t>A data type that holds </a:t>
-            </a:r>
-            <a:r>
-              <a:rPr lang="en-US" sz="3600" dirty="0">
-                <a:solidFill>
-                  <a:srgbClr val="00B050"/>
-                </a:solidFill>
-                <a:effectLst>
-                  <a:outerShdw blurRad="50800" dist="38100" dir="2700000" algn="tl" rotWithShape="0">
-                    <a:prstClr val="black">
-                      <a:alpha val="40000"/>
-                    </a:prstClr>
-                  </a:outerShdw>
-                </a:effectLst>
-              </a:rPr>
-              <a:t>decimal places</a:t>
-            </a:r>
-            <a:r>
-              <a:rPr lang="en-US" sz="3600" dirty="0">
-                <a:effectLst>
-                  <a:outerShdw blurRad="50800" dist="38100" dir="2700000" algn="tl" rotWithShape="0">
-                    <a:prstClr val="black">
-                      <a:alpha val="40000"/>
-                    </a:prstClr>
-                  </a:outerShdw>
-                </a:effectLst>
-              </a:rPr>
-              <a:t>.</a:t>
-            </a:r>
-          </a:p>
-          <a:p>
-            <a:pPr marL="0" indent="0">
-              <a:buNone/>
-            </a:pPr>
-            <a:r>
-              <a:rPr lang="en-US" sz="3600" dirty="0">
-                <a:effectLst>
-                  <a:outerShdw blurRad="50800" dist="38100" dir="2700000" algn="tl" rotWithShape="0">
-                    <a:prstClr val="black">
-                      <a:alpha val="40000"/>
-                    </a:prstClr>
-                  </a:outerShdw>
-                </a:effectLst>
-              </a:rPr>
-              <a:t>Examples: </a:t>
-            </a:r>
-            <a:r>
-              <a:rPr lang="en-US" sz="3600" dirty="0">
-                <a:solidFill>
-                  <a:schemeClr val="accent5">
-                    <a:lumMod val="60000"/>
-                    <a:lumOff val="40000"/>
-                  </a:schemeClr>
-                </a:solidFill>
-                <a:effectLst>
-                  <a:outerShdw blurRad="50800" dist="38100" dir="2700000" algn="tl" rotWithShape="0">
-                    <a:prstClr val="black">
-                      <a:alpha val="40000"/>
-                    </a:prstClr>
-                  </a:outerShdw>
-                </a:effectLst>
-              </a:rPr>
-              <a:t>2.5</a:t>
-            </a:r>
-            <a:r>
-              <a:rPr lang="en-US" sz="3600" dirty="0">
-                <a:solidFill>
-                  <a:schemeClr val="tx2">
-                    <a:lumMod val="75000"/>
-                  </a:schemeClr>
-                </a:solidFill>
-                <a:effectLst>
-                  <a:outerShdw blurRad="50800" dist="38100" dir="2700000" algn="tl" rotWithShape="0">
-                    <a:prstClr val="black">
-                      <a:alpha val="40000"/>
-                    </a:prstClr>
-                  </a:outerShdw>
-                </a:effectLst>
-              </a:rPr>
-              <a:t>		1.62	</a:t>
-            </a:r>
-            <a:r>
-              <a:rPr lang="en-US" sz="3600" dirty="0">
-                <a:effectLst>
-                  <a:outerShdw blurRad="50800" dist="38100" dir="2700000" algn="tl" rotWithShape="0">
-                    <a:prstClr val="black">
-                      <a:alpha val="40000"/>
-                    </a:prstClr>
-                  </a:outerShdw>
-                </a:effectLst>
-              </a:rPr>
-              <a:t>		</a:t>
-            </a:r>
-            <a:r>
-              <a:rPr lang="en-US" sz="3600" dirty="0">
-                <a:solidFill>
-                  <a:schemeClr val="bg2">
-                    <a:lumMod val="60000"/>
-                    <a:lumOff val="40000"/>
-                  </a:schemeClr>
-                </a:solidFill>
-                <a:effectLst>
-                  <a:outerShdw blurRad="50800" dist="38100" dir="2700000" algn="tl" rotWithShape="0">
-                    <a:prstClr val="black">
-                      <a:alpha val="40000"/>
-                    </a:prstClr>
-                  </a:outerShdw>
-                </a:effectLst>
-              </a:rPr>
-              <a:t>3.0</a:t>
-            </a:r>
-            <a:r>
-              <a:rPr lang="en-US" sz="3600" dirty="0">
-                <a:effectLst>
-                  <a:outerShdw blurRad="50800" dist="38100" dir="2700000" algn="tl" rotWithShape="0">
-                    <a:prstClr val="black">
-                      <a:alpha val="40000"/>
-                    </a:prstClr>
-                  </a:outerShdw>
-                </a:effectLst>
-              </a:rPr>
-              <a:t>		</a:t>
-            </a:r>
-            <a:r>
-              <a:rPr lang="en-US" sz="3600" dirty="0">
-                <a:solidFill>
-                  <a:srgbClr val="7030A0"/>
-                </a:solidFill>
-                <a:effectLst>
-                  <a:outerShdw blurRad="50800" dist="38100" dir="2700000" algn="tl" rotWithShape="0">
-                    <a:prstClr val="black">
-                      <a:alpha val="40000"/>
-                    </a:prstClr>
-                  </a:outerShdw>
-                </a:effectLst>
-              </a:rPr>
-              <a:t>2.718</a:t>
-            </a:r>
-            <a:r>
-              <a:rPr lang="en-US" sz="3600" dirty="0">
-                <a:effectLst>
-                  <a:outerShdw blurRad="50800" dist="38100" dir="2700000" algn="tl" rotWithShape="0">
-                    <a:prstClr val="black">
-                      <a:alpha val="40000"/>
-                    </a:prstClr>
-                  </a:outerShdw>
-                </a:effectLst>
-              </a:rPr>
-              <a:t>.</a:t>
-            </a:r>
-          </a:p>
-        </p:txBody>
-      </p:sp>
-    </p:spTree>
-    <p:extLst>
-      <p:ext uri="{BB962C8B-B14F-4D97-AF65-F5344CB8AC3E}">
-        <p14:creationId xmlns:p14="http://schemas.microsoft.com/office/powerpoint/2010/main" val="720465039"/>
-      </p:ext>
-    </p:extLst>
-  </p:cSld>
-  <p:clrMapOvr>
-    <a:masterClrMapping/>
-  </p:clrMapOvr>
-  <p:timing>
-    <p:tnLst>
-      <p:par>
-        <p:cTn id="1" dur="indefinite" restart="never" nodeType="tmRoot">
-          <p:childTnLst>
-            <p:seq concurrent="1" nextAc="seek">
-              <p:cTn id="2" dur="indefinite" nodeType="mainSeq">
-                <p:childTnLst>
-                  <p:par>
-                    <p:cTn id="3" fill="hold">
-                      <p:stCondLst>
-                        <p:cond delay="indefinite"/>
-                      </p:stCondLst>
-                      <p:childTnLst>
-                        <p:par>
-                          <p:cTn id="4" fill="hold">
-                            <p:stCondLst>
-                              <p:cond delay="0"/>
-                            </p:stCondLst>
-                            <p:childTnLst>
-                              <p:par>
-                                <p:cTn id="5" presetID="2" presetClass="entr" presetSubtype="4" fill="hold" grpId="0" nodeType="clickEffect">
-                                  <p:stCondLst>
-                                    <p:cond delay="0"/>
-                                  </p:stCondLst>
-                                  <p:childTnLst>
-                                    <p:set>
-                                      <p:cBhvr>
-                                        <p:cTn id="6" dur="1" fill="hold">
-                                          <p:stCondLst>
-                                            <p:cond delay="0"/>
-                                          </p:stCondLst>
-                                        </p:cTn>
-                                        <p:tgtEl>
-                                          <p:spTgt spid="3">
-                                            <p:txEl>
-                                              <p:pRg st="0" end="0"/>
-                                            </p:txEl>
-                                          </p:spTgt>
-                                        </p:tgtEl>
-                                        <p:attrNameLst>
-                                          <p:attrName>style.visibility</p:attrName>
-                                        </p:attrNameLst>
-                                      </p:cBhvr>
-                                      <p:to>
-                                        <p:strVal val="visible"/>
-                                      </p:to>
-                                    </p:set>
-                                    <p:anim calcmode="lin" valueType="num">
-                                      <p:cBhvr additive="base">
-                                        <p:cTn id="7" dur="500" fill="hold"/>
-                                        <p:tgtEl>
-                                          <p:spTgt spid="3">
-                                            <p:txEl>
-                                              <p:pRg st="0" end="0"/>
-                                            </p:txEl>
-                                          </p:spTgt>
-                                        </p:tgtEl>
-                                        <p:attrNameLst>
-                                          <p:attrName>ppt_x</p:attrName>
-                                        </p:attrNameLst>
-                                      </p:cBhvr>
-                                      <p:tavLst>
-                                        <p:tav tm="0">
-                                          <p:val>
-                                            <p:strVal val="#ppt_x"/>
-                                          </p:val>
-                                        </p:tav>
-                                        <p:tav tm="100000">
-                                          <p:val>
-                                            <p:strVal val="#ppt_x"/>
-                                          </p:val>
-                                        </p:tav>
-                                      </p:tavLst>
-                                    </p:anim>
-                                    <p:anim calcmode="lin" valueType="num">
-                                      <p:cBhvr additive="base">
-                                        <p:cTn id="8" dur="500" fill="hold"/>
-                                        <p:tgtEl>
-                                          <p:spTgt spid="3">
-                                            <p:txEl>
-                                              <p:pRg st="0" end="0"/>
-                                            </p:txEl>
-                                          </p:spTgt>
-                                        </p:tgtEl>
-                                        <p:attrNameLst>
-                                          <p:attrName>ppt_y</p:attrName>
-                                        </p:attrNameLst>
-                                      </p:cBhvr>
-                                      <p:tavLst>
-                                        <p:tav tm="0">
-                                          <p:val>
-                                            <p:strVal val="1+#ppt_h/2"/>
-                                          </p:val>
-                                        </p:tav>
-                                        <p:tav tm="100000">
-                                          <p:val>
-                                            <p:strVal val="#ppt_y"/>
-                                          </p:val>
-                                        </p:tav>
-                                      </p:tavLst>
-                                    </p:anim>
-                                  </p:childTnLst>
-                                </p:cTn>
-                              </p:par>
-                            </p:childTnLst>
-                          </p:cTn>
-                        </p:par>
-                      </p:childTnLst>
-                    </p:cTn>
-                  </p:par>
-                  <p:par>
-                    <p:cTn id="9" fill="hold">
-                      <p:stCondLst>
-                        <p:cond delay="indefinite"/>
-                      </p:stCondLst>
-                      <p:childTnLst>
-                        <p:par>
-                          <p:cTn id="10" fill="hold">
-                            <p:stCondLst>
-                              <p:cond delay="0"/>
-                            </p:stCondLst>
-                            <p:childTnLst>
-                              <p:par>
-                                <p:cTn id="11" presetID="2" presetClass="entr" presetSubtype="4" fill="hold" grpId="0" nodeType="clickEffect">
-                                  <p:stCondLst>
-                                    <p:cond delay="0"/>
-                                  </p:stCondLst>
-                                  <p:childTnLst>
-                                    <p:set>
-                                      <p:cBhvr>
-                                        <p:cTn id="12" dur="1" fill="hold">
-                                          <p:stCondLst>
-                                            <p:cond delay="0"/>
-                                          </p:stCondLst>
-                                        </p:cTn>
-                                        <p:tgtEl>
-                                          <p:spTgt spid="3">
-                                            <p:txEl>
-                                              <p:pRg st="1" end="1"/>
-                                            </p:txEl>
-                                          </p:spTgt>
-                                        </p:tgtEl>
-                                        <p:attrNameLst>
-                                          <p:attrName>style.visibility</p:attrName>
-                                        </p:attrNameLst>
-                                      </p:cBhvr>
-                                      <p:to>
-                                        <p:strVal val="visible"/>
-                                      </p:to>
-                                    </p:set>
-                                    <p:anim calcmode="lin" valueType="num">
-                                      <p:cBhvr additive="base">
-                                        <p:cTn id="13" dur="500" fill="hold"/>
-                                        <p:tgtEl>
-                                          <p:spTgt spid="3">
-                                            <p:txEl>
-                                              <p:pRg st="1" end="1"/>
-                                            </p:txEl>
-                                          </p:spTgt>
-                                        </p:tgtEl>
-                                        <p:attrNameLst>
-                                          <p:attrName>ppt_x</p:attrName>
-                                        </p:attrNameLst>
-                                      </p:cBhvr>
-                                      <p:tavLst>
-                                        <p:tav tm="0">
-                                          <p:val>
-                                            <p:strVal val="#ppt_x"/>
-                                          </p:val>
-                                        </p:tav>
-                                        <p:tav tm="100000">
-                                          <p:val>
-                                            <p:strVal val="#ppt_x"/>
-                                          </p:val>
-                                        </p:tav>
-                                      </p:tavLst>
-                                    </p:anim>
-                                    <p:anim calcmode="lin" valueType="num">
-                                      <p:cBhvr additive="base">
-                                        <p:cTn id="14" dur="500" fill="hold"/>
-                                        <p:tgtEl>
-                                          <p:spTgt spid="3">
-                                            <p:txEl>
-                                              <p:pRg st="1" end="1"/>
-                                            </p:txEl>
-                                          </p:spTgt>
-                                        </p:tgtEl>
-                                        <p:attrNameLst>
-                                          <p:attrName>ppt_y</p:attrName>
-                                        </p:attrNameLst>
-                                      </p:cBhvr>
-                                      <p:tavLst>
-                                        <p:tav tm="0">
-                                          <p:val>
-                                            <p:strVal val="1+#ppt_h/2"/>
-                                          </p:val>
-                                        </p:tav>
-                                        <p:tav tm="100000">
-                                          <p:val>
-                                            <p:strVal val="#ppt_y"/>
-                                          </p:val>
-                                        </p:tav>
-                                      </p:tavLst>
-                                    </p:anim>
-                                  </p:childTnLst>
-                                </p:cTn>
-                              </p:par>
-                            </p:childTnLst>
-                          </p:cTn>
-                        </p:par>
-                      </p:childTnLst>
-                    </p:cTn>
-                  </p:par>
-                </p:childTnLst>
-              </p:cTn>
-              <p:prevCondLst>
-                <p:cond evt="onPrev" delay="0">
-                  <p:tgtEl>
-                    <p:sldTgt/>
-                  </p:tgtEl>
-                </p:cond>
-              </p:prevCondLst>
-              <p:nextCondLst>
-                <p:cond evt="onNext" delay="0">
-                  <p:tgtEl>
-                    <p:sldTgt/>
-                  </p:tgtEl>
-                </p:cond>
-              </p:nextCondLst>
-            </p:seq>
-          </p:childTnLst>
-        </p:cTn>
-      </p:par>
-    </p:tnLst>
-    <p:bldLst>
-      <p:bldP spid="3" grpId="0" build="p"/>
-    </p:bldLst>
-  </p:timing>
-</p:sld>
-</file>
-
-<file path=ppt/slides/slide29.xml><?xml version="1.0" encoding="utf-8"?>
-<p:sld xmlns:a="http://schemas.openxmlformats.org/drawingml/2006/main" xmlns:r="http://schemas.openxmlformats.org/officeDocument/2006/relationships" xmlns:p="http://schemas.openxmlformats.org/presentationml/2006/main">
-  <p:cSld>
-    <p:spTree>
-      <p:nvGrpSpPr>
-        <p:cNvPr id="1" name=""/>
-        <p:cNvGrpSpPr/>
-        <p:nvPr/>
-      </p:nvGrpSpPr>
-      <p:grpSpPr>
-        <a:xfrm>
-          <a:off x="0" y="0"/>
-          <a:ext cx="0" cy="0"/>
-          <a:chOff x="0" y="0"/>
-          <a:chExt cx="0" cy="0"/>
-        </a:xfrm>
-      </p:grpSpPr>
-      <p:sp>
-        <p:nvSpPr>
-          <p:cNvPr id="2" name="Title 1">
-            <a:extLst>
-              <a:ext uri="{FF2B5EF4-FFF2-40B4-BE49-F238E27FC236}">
-                <a16:creationId xmlns:a16="http://schemas.microsoft.com/office/drawing/2014/main" id="{A670AA07-4D1F-4502-AC18-1E4DC4BC44D2}"/>
-              </a:ext>
-            </a:extLst>
-          </p:cNvPr>
-          <p:cNvSpPr>
-            <a:spLocks noGrp="1"/>
-          </p:cNvSpPr>
-          <p:nvPr>
-            <p:ph type="title"/>
-          </p:nvPr>
-        </p:nvSpPr>
-        <p:spPr/>
-        <p:txBody>
-          <a:bodyPr/>
-          <a:lstStyle/>
-          <a:p>
-            <a:r>
-              <a:rPr lang="en-US" dirty="0"/>
-              <a:t>The amazing thing about </a:t>
-            </a:r>
-            <a:r>
-              <a:rPr lang="en-US" dirty="0">
-                <a:solidFill>
-                  <a:srgbClr val="00B0F0"/>
-                </a:solidFill>
-              </a:rPr>
-              <a:t>doubles</a:t>
-            </a:r>
-          </a:p>
-        </p:txBody>
-      </p:sp>
-      <p:sp>
-        <p:nvSpPr>
-          <p:cNvPr id="3" name="Content Placeholder 2">
-            <a:extLst>
-              <a:ext uri="{FF2B5EF4-FFF2-40B4-BE49-F238E27FC236}">
-                <a16:creationId xmlns:a16="http://schemas.microsoft.com/office/drawing/2014/main" id="{47BE83E9-98B9-43A6-BB79-49F8B0CF1356}"/>
-              </a:ext>
-            </a:extLst>
-          </p:cNvPr>
-          <p:cNvSpPr>
-            <a:spLocks noGrp="1"/>
-          </p:cNvSpPr>
-          <p:nvPr>
-            <p:ph idx="1"/>
-          </p:nvPr>
-        </p:nvSpPr>
-        <p:spPr>
-          <a:xfrm>
-            <a:off x="818712" y="2222287"/>
-            <a:ext cx="10554574" cy="4009180"/>
-          </a:xfrm>
-          <a:effectLst/>
-        </p:spPr>
-        <p:txBody>
-          <a:bodyPr>
-            <a:normAutofit/>
-          </a:bodyPr>
-          <a:lstStyle/>
-          <a:p>
-            <a:pPr marL="0" indent="0">
-              <a:buNone/>
-            </a:pPr>
-            <a:r>
-              <a:rPr lang="en-US" sz="2800" dirty="0">
-                <a:effectLst>
-                  <a:outerShdw blurRad="50800" dist="38100" dir="2700000" algn="tl" rotWithShape="0">
-                    <a:prstClr val="black">
-                      <a:alpha val="40000"/>
-                    </a:prstClr>
-                  </a:outerShdw>
-                </a:effectLst>
-              </a:rPr>
-              <a:t>Recall that ints can take on a value between, roughly, plus or minus </a:t>
-            </a:r>
-            <a:r>
-              <a:rPr lang="en-US" sz="2800" dirty="0">
-                <a:solidFill>
-                  <a:srgbClr val="FF0000"/>
-                </a:solidFill>
-                <a:effectLst>
-                  <a:outerShdw blurRad="50800" dist="38100" dir="2700000" algn="tl" rotWithShape="0">
-                    <a:prstClr val="black">
-                      <a:alpha val="40000"/>
-                    </a:prstClr>
-                  </a:outerShdw>
-                </a:effectLst>
-              </a:rPr>
-              <a:t>2 billion</a:t>
-            </a:r>
-            <a:r>
-              <a:rPr lang="en-US" sz="2800" dirty="0">
-                <a:effectLst>
-                  <a:outerShdw blurRad="50800" dist="38100" dir="2700000" algn="tl" rotWithShape="0">
-                    <a:prstClr val="black">
-                      <a:alpha val="40000"/>
-                    </a:prstClr>
-                  </a:outerShdw>
-                </a:effectLst>
-              </a:rPr>
-              <a:t>.</a:t>
-            </a:r>
-          </a:p>
-          <a:p>
-            <a:pPr marL="0" indent="0">
-              <a:buNone/>
-            </a:pPr>
-            <a:endParaRPr lang="en-US" sz="2800" dirty="0">
-              <a:effectLst>
-                <a:outerShdw blurRad="50800" dist="38100" dir="2700000" algn="tl" rotWithShape="0">
-                  <a:prstClr val="black">
-                    <a:alpha val="40000"/>
-                  </a:prstClr>
-                </a:outerShdw>
-              </a:effectLst>
-            </a:endParaRPr>
-          </a:p>
-          <a:p>
-            <a:pPr marL="0" indent="0">
-              <a:buNone/>
-            </a:pPr>
-            <a:r>
-              <a:rPr lang="en-US" sz="2800" dirty="0">
-                <a:effectLst>
-                  <a:outerShdw blurRad="50800" dist="38100" dir="2700000" algn="tl" rotWithShape="0">
-                    <a:prstClr val="black">
-                      <a:alpha val="40000"/>
-                    </a:prstClr>
-                  </a:outerShdw>
-                </a:effectLst>
-              </a:rPr>
-              <a:t>This is because of </a:t>
-            </a:r>
-            <a:r>
-              <a:rPr lang="en-US" sz="2800" dirty="0">
-                <a:solidFill>
-                  <a:srgbClr val="FF0000"/>
-                </a:solidFill>
-                <a:effectLst>
-                  <a:outerShdw blurRad="50800" dist="38100" dir="2700000" algn="tl" rotWithShape="0">
-                    <a:prstClr val="black">
-                      <a:alpha val="40000"/>
-                    </a:prstClr>
-                  </a:outerShdw>
-                </a:effectLst>
-              </a:rPr>
-              <a:t>memory constraints</a:t>
-            </a:r>
-            <a:r>
-              <a:rPr lang="en-US" sz="2800" dirty="0">
-                <a:effectLst>
-                  <a:outerShdw blurRad="50800" dist="38100" dir="2700000" algn="tl" rotWithShape="0">
-                    <a:prstClr val="black">
-                      <a:alpha val="40000"/>
-                    </a:prstClr>
-                  </a:outerShdw>
-                </a:effectLst>
-              </a:rPr>
-              <a:t>—an int can only occupy </a:t>
-            </a:r>
-            <a:r>
-              <a:rPr lang="en-US" sz="2800" dirty="0">
-                <a:solidFill>
-                  <a:srgbClr val="FF0000"/>
-                </a:solidFill>
-                <a:effectLst>
-                  <a:outerShdw blurRad="50800" dist="38100" dir="2700000" algn="tl" rotWithShape="0">
-                    <a:prstClr val="black">
-                      <a:alpha val="40000"/>
-                    </a:prstClr>
-                  </a:outerShdw>
-                </a:effectLst>
-              </a:rPr>
-              <a:t>32 bits </a:t>
-            </a:r>
-            <a:r>
-              <a:rPr lang="en-US" sz="2800" dirty="0">
-                <a:effectLst>
-                  <a:outerShdw blurRad="50800" dist="38100" dir="2700000" algn="tl" rotWithShape="0">
-                    <a:prstClr val="black">
-                      <a:alpha val="40000"/>
-                    </a:prstClr>
-                  </a:outerShdw>
-                </a:effectLst>
-              </a:rPr>
-              <a:t>in memory (2^32 possible values)</a:t>
-            </a:r>
-          </a:p>
-        </p:txBody>
-      </p:sp>
-    </p:spTree>
-    <p:extLst>
-      <p:ext uri="{BB962C8B-B14F-4D97-AF65-F5344CB8AC3E}">
-        <p14:creationId xmlns:p14="http://schemas.microsoft.com/office/powerpoint/2010/main" val="2766054871"/>
-      </p:ext>
-    </p:extLst>
-  </p:cSld>
-  <p:clrMapOvr>
-    <a:masterClrMapping/>
-  </p:clrMapOvr>
-  <p:timing>
-    <p:tnLst>
-      <p:par>
-        <p:cTn id="1" dur="indefinite" restart="never" nodeType="tmRoot">
-          <p:childTnLst>
-            <p:seq concurrent="1" nextAc="seek">
-              <p:cTn id="2" dur="indefinite" nodeType="mainSeq">
-                <p:childTnLst>
-                  <p:par>
-                    <p:cTn id="3" fill="hold">
-                      <p:stCondLst>
-                        <p:cond delay="indefinite"/>
-                      </p:stCondLst>
-                      <p:childTnLst>
-                        <p:par>
-                          <p:cTn id="4" fill="hold">
-                            <p:stCondLst>
-                              <p:cond delay="0"/>
-                            </p:stCondLst>
-                            <p:childTnLst>
-                              <p:par>
-                                <p:cTn id="5" presetID="10" presetClass="entr" presetSubtype="0" fill="hold" grpId="0" nodeType="clickEffect">
-                                  <p:stCondLst>
-                                    <p:cond delay="0"/>
-                                  </p:stCondLst>
-                                  <p:childTnLst>
-                                    <p:set>
-                                      <p:cBhvr>
-                                        <p:cTn id="6" dur="1" fill="hold">
-                                          <p:stCondLst>
-                                            <p:cond delay="0"/>
-                                          </p:stCondLst>
-                                        </p:cTn>
-                                        <p:tgtEl>
-                                          <p:spTgt spid="3">
-                                            <p:txEl>
-                                              <p:pRg st="0" end="0"/>
-                                            </p:txEl>
-                                          </p:spTgt>
-                                        </p:tgtEl>
-                                        <p:attrNameLst>
-                                          <p:attrName>style.visibility</p:attrName>
-                                        </p:attrNameLst>
-                                      </p:cBhvr>
-                                      <p:to>
-                                        <p:strVal val="visible"/>
-                                      </p:to>
-                                    </p:set>
-                                    <p:animEffect transition="in" filter="fade">
-                                      <p:cBhvr>
-                                        <p:cTn id="7" dur="500"/>
-                                        <p:tgtEl>
-                                          <p:spTgt spid="3">
-                                            <p:txEl>
-                                              <p:pRg st="0" end="0"/>
-                                            </p:txEl>
-                                          </p:spTgt>
-                                        </p:tgtEl>
-                                      </p:cBhvr>
-                                    </p:animEffect>
-                                  </p:childTnLst>
-                                </p:cTn>
-                              </p:par>
-                            </p:childTnLst>
-                          </p:cTn>
-                        </p:par>
-                      </p:childTnLst>
-                    </p:cTn>
-                  </p:par>
-                  <p:par>
-                    <p:cTn id="8" fill="hold">
-                      <p:stCondLst>
-                        <p:cond delay="indefinite"/>
-                      </p:stCondLst>
-                      <p:childTnLst>
-                        <p:par>
-                          <p:cTn id="9" fill="hold">
-                            <p:stCondLst>
-                              <p:cond delay="0"/>
-                            </p:stCondLst>
-                            <p:childTnLst>
-                              <p:par>
-                                <p:cTn id="10" presetID="10" presetClass="entr" presetSubtype="0" fill="hold" grpId="0" nodeType="clickEffect">
-                                  <p:stCondLst>
-                                    <p:cond delay="0"/>
-                                  </p:stCondLst>
-                                  <p:childTnLst>
-                                    <p:set>
-                                      <p:cBhvr>
-                                        <p:cTn id="11" dur="1" fill="hold">
-                                          <p:stCondLst>
-                                            <p:cond delay="0"/>
-                                          </p:stCondLst>
-                                        </p:cTn>
-                                        <p:tgtEl>
-                                          <p:spTgt spid="3">
-                                            <p:txEl>
-                                              <p:pRg st="2" end="2"/>
-                                            </p:txEl>
-                                          </p:spTgt>
-                                        </p:tgtEl>
-                                        <p:attrNameLst>
-                                          <p:attrName>style.visibility</p:attrName>
-                                        </p:attrNameLst>
-                                      </p:cBhvr>
-                                      <p:to>
-                                        <p:strVal val="visible"/>
-                                      </p:to>
-                                    </p:set>
-                                    <p:animEffect transition="in" filter="fade">
-                                      <p:cBhvr>
-                                        <p:cTn id="12" dur="500"/>
-                                        <p:tgtEl>
-                                          <p:spTgt spid="3">
-                                            <p:txEl>
-                                              <p:pRg st="2" end="2"/>
-                                            </p:txEl>
-                                          </p:spTgt>
-                                        </p:tgtEl>
-                                      </p:cBhvr>
-                                    </p:animEffect>
-                                  </p:childTnLst>
-                                </p:cTn>
-                              </p:par>
-                            </p:childTnLst>
-                          </p:cTn>
-                        </p:par>
-                      </p:childTnLst>
-                    </p:cTn>
-                  </p:par>
-                </p:childTnLst>
-              </p:cTn>
-              <p:prevCondLst>
-                <p:cond evt="onPrev" delay="0">
-                  <p:tgtEl>
-                    <p:sldTgt/>
-                  </p:tgtEl>
-                </p:cond>
-              </p:prevCondLst>
-              <p:nextCondLst>
-                <p:cond evt="onNext" delay="0">
-                  <p:tgtEl>
-                    <p:sldTgt/>
-                  </p:tgtEl>
-                </p:cond>
-              </p:nextCondLst>
-            </p:seq>
-          </p:childTnLst>
-        </p:cTn>
-      </p:par>
-    </p:tnLst>
-    <p:bldLst>
-      <p:bldP spid="3" grpId="0" build="p"/>
-    </p:bldLst>
-  </p:timing>
-</p:sld>
-</file>
-
 <file path=ppt/slides/slide3.xml><?xml version="1.0" encoding="utf-8"?>
 <p:sld xmlns:a="http://schemas.openxmlformats.org/drawingml/2006/main" xmlns:r="http://schemas.openxmlformats.org/officeDocument/2006/relationships" xmlns:p="http://schemas.openxmlformats.org/presentationml/2006/main">
   <p:cSld>
@@ -18560,6 +18493,878 @@
           <p:cNvPr id="2" name="Title 1">
             <a:extLst>
               <a:ext uri="{FF2B5EF4-FFF2-40B4-BE49-F238E27FC236}">
+                <a16:creationId xmlns:a16="http://schemas.microsoft.com/office/drawing/2014/main" id="{5665E4BC-614A-4077-A23A-146FD9F50E0B}"/>
+              </a:ext>
+            </a:extLst>
+          </p:cNvPr>
+          <p:cNvSpPr>
+            <a:spLocks noGrp="1"/>
+          </p:cNvSpPr>
+          <p:nvPr>
+            <p:ph type="title"/>
+          </p:nvPr>
+        </p:nvSpPr>
+        <p:spPr/>
+        <p:txBody>
+          <a:bodyPr/>
+          <a:lstStyle/>
+          <a:p>
+            <a:r>
+              <a:rPr lang="en-US" dirty="0"/>
+              <a:t>double</a:t>
+            </a:r>
+          </a:p>
+        </p:txBody>
+      </p:sp>
+      <p:sp>
+        <p:nvSpPr>
+          <p:cNvPr id="3" name="Content Placeholder 2">
+            <a:extLst>
+              <a:ext uri="{FF2B5EF4-FFF2-40B4-BE49-F238E27FC236}">
+                <a16:creationId xmlns:a16="http://schemas.microsoft.com/office/drawing/2014/main" id="{F3504E5C-24C1-4C28-898E-AABB57D47FC9}"/>
+              </a:ext>
+            </a:extLst>
+          </p:cNvPr>
+          <p:cNvSpPr>
+            <a:spLocks noGrp="1"/>
+          </p:cNvSpPr>
+          <p:nvPr>
+            <p:ph idx="1"/>
+          </p:nvPr>
+        </p:nvSpPr>
+        <p:spPr>
+          <a:xfrm>
+            <a:off x="818712" y="2222287"/>
+            <a:ext cx="10554574" cy="4106546"/>
+          </a:xfrm>
+          <a:effectLst/>
+        </p:spPr>
+        <p:txBody>
+          <a:bodyPr>
+            <a:normAutofit/>
+          </a:bodyPr>
+          <a:lstStyle/>
+          <a:p>
+            <a:pPr marL="0" indent="0">
+              <a:buNone/>
+            </a:pPr>
+            <a:r>
+              <a:rPr lang="en-US" sz="3600" dirty="0">
+                <a:effectLst>
+                  <a:outerShdw blurRad="50800" dist="38100" dir="2700000" algn="tl" rotWithShape="0">
+                    <a:prstClr val="black">
+                      <a:alpha val="40000"/>
+                    </a:prstClr>
+                  </a:outerShdw>
+                </a:effectLst>
+              </a:rPr>
+              <a:t>A data type that holds </a:t>
+            </a:r>
+            <a:r>
+              <a:rPr lang="en-US" sz="3600" dirty="0">
+                <a:solidFill>
+                  <a:srgbClr val="00B050"/>
+                </a:solidFill>
+                <a:effectLst>
+                  <a:outerShdw blurRad="50800" dist="38100" dir="2700000" algn="tl" rotWithShape="0">
+                    <a:prstClr val="black">
+                      <a:alpha val="40000"/>
+                    </a:prstClr>
+                  </a:outerShdw>
+                </a:effectLst>
+              </a:rPr>
+              <a:t>decimal places</a:t>
+            </a:r>
+            <a:r>
+              <a:rPr lang="en-US" sz="3600" dirty="0">
+                <a:effectLst>
+                  <a:outerShdw blurRad="50800" dist="38100" dir="2700000" algn="tl" rotWithShape="0">
+                    <a:prstClr val="black">
+                      <a:alpha val="40000"/>
+                    </a:prstClr>
+                  </a:outerShdw>
+                </a:effectLst>
+              </a:rPr>
+              <a:t>.</a:t>
+            </a:r>
+          </a:p>
+          <a:p>
+            <a:pPr marL="0" indent="0">
+              <a:buNone/>
+            </a:pPr>
+            <a:r>
+              <a:rPr lang="en-US" sz="3600" dirty="0">
+                <a:effectLst>
+                  <a:outerShdw blurRad="50800" dist="38100" dir="2700000" algn="tl" rotWithShape="0">
+                    <a:prstClr val="black">
+                      <a:alpha val="40000"/>
+                    </a:prstClr>
+                  </a:outerShdw>
+                </a:effectLst>
+              </a:rPr>
+              <a:t>Examples: </a:t>
+            </a:r>
+            <a:r>
+              <a:rPr lang="en-US" sz="3600" dirty="0">
+                <a:solidFill>
+                  <a:schemeClr val="accent5">
+                    <a:lumMod val="60000"/>
+                    <a:lumOff val="40000"/>
+                  </a:schemeClr>
+                </a:solidFill>
+                <a:effectLst>
+                  <a:outerShdw blurRad="50800" dist="38100" dir="2700000" algn="tl" rotWithShape="0">
+                    <a:prstClr val="black">
+                      <a:alpha val="40000"/>
+                    </a:prstClr>
+                  </a:outerShdw>
+                </a:effectLst>
+              </a:rPr>
+              <a:t>2.5</a:t>
+            </a:r>
+            <a:r>
+              <a:rPr lang="en-US" sz="3600" dirty="0">
+                <a:solidFill>
+                  <a:schemeClr val="tx2">
+                    <a:lumMod val="75000"/>
+                  </a:schemeClr>
+                </a:solidFill>
+                <a:effectLst>
+                  <a:outerShdw blurRad="50800" dist="38100" dir="2700000" algn="tl" rotWithShape="0">
+                    <a:prstClr val="black">
+                      <a:alpha val="40000"/>
+                    </a:prstClr>
+                  </a:outerShdw>
+                </a:effectLst>
+              </a:rPr>
+              <a:t>		1.62	</a:t>
+            </a:r>
+            <a:r>
+              <a:rPr lang="en-US" sz="3600" dirty="0">
+                <a:effectLst>
+                  <a:outerShdw blurRad="50800" dist="38100" dir="2700000" algn="tl" rotWithShape="0">
+                    <a:prstClr val="black">
+                      <a:alpha val="40000"/>
+                    </a:prstClr>
+                  </a:outerShdw>
+                </a:effectLst>
+              </a:rPr>
+              <a:t>		</a:t>
+            </a:r>
+            <a:r>
+              <a:rPr lang="en-US" sz="3600" dirty="0">
+                <a:solidFill>
+                  <a:schemeClr val="bg2">
+                    <a:lumMod val="60000"/>
+                    <a:lumOff val="40000"/>
+                  </a:schemeClr>
+                </a:solidFill>
+                <a:effectLst>
+                  <a:outerShdw blurRad="50800" dist="38100" dir="2700000" algn="tl" rotWithShape="0">
+                    <a:prstClr val="black">
+                      <a:alpha val="40000"/>
+                    </a:prstClr>
+                  </a:outerShdw>
+                </a:effectLst>
+              </a:rPr>
+              <a:t>3.0</a:t>
+            </a:r>
+            <a:r>
+              <a:rPr lang="en-US" sz="3600" dirty="0">
+                <a:effectLst>
+                  <a:outerShdw blurRad="50800" dist="38100" dir="2700000" algn="tl" rotWithShape="0">
+                    <a:prstClr val="black">
+                      <a:alpha val="40000"/>
+                    </a:prstClr>
+                  </a:outerShdw>
+                </a:effectLst>
+              </a:rPr>
+              <a:t>		</a:t>
+            </a:r>
+            <a:r>
+              <a:rPr lang="en-US" sz="3600" dirty="0">
+                <a:solidFill>
+                  <a:srgbClr val="7030A0"/>
+                </a:solidFill>
+                <a:effectLst>
+                  <a:outerShdw blurRad="50800" dist="38100" dir="2700000" algn="tl" rotWithShape="0">
+                    <a:prstClr val="black">
+                      <a:alpha val="40000"/>
+                    </a:prstClr>
+                  </a:outerShdw>
+                </a:effectLst>
+              </a:rPr>
+              <a:t>2.718</a:t>
+            </a:r>
+            <a:r>
+              <a:rPr lang="en-US" sz="3600" dirty="0">
+                <a:effectLst>
+                  <a:outerShdw blurRad="50800" dist="38100" dir="2700000" algn="tl" rotWithShape="0">
+                    <a:prstClr val="black">
+                      <a:alpha val="40000"/>
+                    </a:prstClr>
+                  </a:outerShdw>
+                </a:effectLst>
+              </a:rPr>
+              <a:t>.</a:t>
+            </a:r>
+          </a:p>
+        </p:txBody>
+      </p:sp>
+    </p:spTree>
+    <p:extLst>
+      <p:ext uri="{BB962C8B-B14F-4D97-AF65-F5344CB8AC3E}">
+        <p14:creationId xmlns:p14="http://schemas.microsoft.com/office/powerpoint/2010/main" val="720465039"/>
+      </p:ext>
+    </p:extLst>
+  </p:cSld>
+  <p:clrMapOvr>
+    <a:masterClrMapping/>
+  </p:clrMapOvr>
+  <p:timing>
+    <p:tnLst>
+      <p:par>
+        <p:cTn id="1" dur="indefinite" restart="never" nodeType="tmRoot">
+          <p:childTnLst>
+            <p:seq concurrent="1" nextAc="seek">
+              <p:cTn id="2" dur="indefinite" nodeType="mainSeq">
+                <p:childTnLst>
+                  <p:par>
+                    <p:cTn id="3" fill="hold">
+                      <p:stCondLst>
+                        <p:cond delay="indefinite"/>
+                      </p:stCondLst>
+                      <p:childTnLst>
+                        <p:par>
+                          <p:cTn id="4" fill="hold">
+                            <p:stCondLst>
+                              <p:cond delay="0"/>
+                            </p:stCondLst>
+                            <p:childTnLst>
+                              <p:par>
+                                <p:cTn id="5" presetID="2" presetClass="entr" presetSubtype="4" fill="hold" grpId="0" nodeType="clickEffect">
+                                  <p:stCondLst>
+                                    <p:cond delay="0"/>
+                                  </p:stCondLst>
+                                  <p:childTnLst>
+                                    <p:set>
+                                      <p:cBhvr>
+                                        <p:cTn id="6" dur="1" fill="hold">
+                                          <p:stCondLst>
+                                            <p:cond delay="0"/>
+                                          </p:stCondLst>
+                                        </p:cTn>
+                                        <p:tgtEl>
+                                          <p:spTgt spid="3">
+                                            <p:txEl>
+                                              <p:pRg st="0" end="0"/>
+                                            </p:txEl>
+                                          </p:spTgt>
+                                        </p:tgtEl>
+                                        <p:attrNameLst>
+                                          <p:attrName>style.visibility</p:attrName>
+                                        </p:attrNameLst>
+                                      </p:cBhvr>
+                                      <p:to>
+                                        <p:strVal val="visible"/>
+                                      </p:to>
+                                    </p:set>
+                                    <p:anim calcmode="lin" valueType="num">
+                                      <p:cBhvr additive="base">
+                                        <p:cTn id="7" dur="500" fill="hold"/>
+                                        <p:tgtEl>
+                                          <p:spTgt spid="3">
+                                            <p:txEl>
+                                              <p:pRg st="0" end="0"/>
+                                            </p:txEl>
+                                          </p:spTgt>
+                                        </p:tgtEl>
+                                        <p:attrNameLst>
+                                          <p:attrName>ppt_x</p:attrName>
+                                        </p:attrNameLst>
+                                      </p:cBhvr>
+                                      <p:tavLst>
+                                        <p:tav tm="0">
+                                          <p:val>
+                                            <p:strVal val="#ppt_x"/>
+                                          </p:val>
+                                        </p:tav>
+                                        <p:tav tm="100000">
+                                          <p:val>
+                                            <p:strVal val="#ppt_x"/>
+                                          </p:val>
+                                        </p:tav>
+                                      </p:tavLst>
+                                    </p:anim>
+                                    <p:anim calcmode="lin" valueType="num">
+                                      <p:cBhvr additive="base">
+                                        <p:cTn id="8" dur="500" fill="hold"/>
+                                        <p:tgtEl>
+                                          <p:spTgt spid="3">
+                                            <p:txEl>
+                                              <p:pRg st="0" end="0"/>
+                                            </p:txEl>
+                                          </p:spTgt>
+                                        </p:tgtEl>
+                                        <p:attrNameLst>
+                                          <p:attrName>ppt_y</p:attrName>
+                                        </p:attrNameLst>
+                                      </p:cBhvr>
+                                      <p:tavLst>
+                                        <p:tav tm="0">
+                                          <p:val>
+                                            <p:strVal val="1+#ppt_h/2"/>
+                                          </p:val>
+                                        </p:tav>
+                                        <p:tav tm="100000">
+                                          <p:val>
+                                            <p:strVal val="#ppt_y"/>
+                                          </p:val>
+                                        </p:tav>
+                                      </p:tavLst>
+                                    </p:anim>
+                                  </p:childTnLst>
+                                </p:cTn>
+                              </p:par>
+                            </p:childTnLst>
+                          </p:cTn>
+                        </p:par>
+                      </p:childTnLst>
+                    </p:cTn>
+                  </p:par>
+                  <p:par>
+                    <p:cTn id="9" fill="hold">
+                      <p:stCondLst>
+                        <p:cond delay="indefinite"/>
+                      </p:stCondLst>
+                      <p:childTnLst>
+                        <p:par>
+                          <p:cTn id="10" fill="hold">
+                            <p:stCondLst>
+                              <p:cond delay="0"/>
+                            </p:stCondLst>
+                            <p:childTnLst>
+                              <p:par>
+                                <p:cTn id="11" presetID="2" presetClass="entr" presetSubtype="4" fill="hold" grpId="0" nodeType="clickEffect">
+                                  <p:stCondLst>
+                                    <p:cond delay="0"/>
+                                  </p:stCondLst>
+                                  <p:childTnLst>
+                                    <p:set>
+                                      <p:cBhvr>
+                                        <p:cTn id="12" dur="1" fill="hold">
+                                          <p:stCondLst>
+                                            <p:cond delay="0"/>
+                                          </p:stCondLst>
+                                        </p:cTn>
+                                        <p:tgtEl>
+                                          <p:spTgt spid="3">
+                                            <p:txEl>
+                                              <p:pRg st="1" end="1"/>
+                                            </p:txEl>
+                                          </p:spTgt>
+                                        </p:tgtEl>
+                                        <p:attrNameLst>
+                                          <p:attrName>style.visibility</p:attrName>
+                                        </p:attrNameLst>
+                                      </p:cBhvr>
+                                      <p:to>
+                                        <p:strVal val="visible"/>
+                                      </p:to>
+                                    </p:set>
+                                    <p:anim calcmode="lin" valueType="num">
+                                      <p:cBhvr additive="base">
+                                        <p:cTn id="13" dur="500" fill="hold"/>
+                                        <p:tgtEl>
+                                          <p:spTgt spid="3">
+                                            <p:txEl>
+                                              <p:pRg st="1" end="1"/>
+                                            </p:txEl>
+                                          </p:spTgt>
+                                        </p:tgtEl>
+                                        <p:attrNameLst>
+                                          <p:attrName>ppt_x</p:attrName>
+                                        </p:attrNameLst>
+                                      </p:cBhvr>
+                                      <p:tavLst>
+                                        <p:tav tm="0">
+                                          <p:val>
+                                            <p:strVal val="#ppt_x"/>
+                                          </p:val>
+                                        </p:tav>
+                                        <p:tav tm="100000">
+                                          <p:val>
+                                            <p:strVal val="#ppt_x"/>
+                                          </p:val>
+                                        </p:tav>
+                                      </p:tavLst>
+                                    </p:anim>
+                                    <p:anim calcmode="lin" valueType="num">
+                                      <p:cBhvr additive="base">
+                                        <p:cTn id="14" dur="500" fill="hold"/>
+                                        <p:tgtEl>
+                                          <p:spTgt spid="3">
+                                            <p:txEl>
+                                              <p:pRg st="1" end="1"/>
+                                            </p:txEl>
+                                          </p:spTgt>
+                                        </p:tgtEl>
+                                        <p:attrNameLst>
+                                          <p:attrName>ppt_y</p:attrName>
+                                        </p:attrNameLst>
+                                      </p:cBhvr>
+                                      <p:tavLst>
+                                        <p:tav tm="0">
+                                          <p:val>
+                                            <p:strVal val="1+#ppt_h/2"/>
+                                          </p:val>
+                                        </p:tav>
+                                        <p:tav tm="100000">
+                                          <p:val>
+                                            <p:strVal val="#ppt_y"/>
+                                          </p:val>
+                                        </p:tav>
+                                      </p:tavLst>
+                                    </p:anim>
+                                  </p:childTnLst>
+                                </p:cTn>
+                              </p:par>
+                            </p:childTnLst>
+                          </p:cTn>
+                        </p:par>
+                      </p:childTnLst>
+                    </p:cTn>
+                  </p:par>
+                </p:childTnLst>
+              </p:cTn>
+              <p:prevCondLst>
+                <p:cond evt="onPrev" delay="0">
+                  <p:tgtEl>
+                    <p:sldTgt/>
+                  </p:tgtEl>
+                </p:cond>
+              </p:prevCondLst>
+              <p:nextCondLst>
+                <p:cond evt="onNext" delay="0">
+                  <p:tgtEl>
+                    <p:sldTgt/>
+                  </p:tgtEl>
+                </p:cond>
+              </p:nextCondLst>
+            </p:seq>
+          </p:childTnLst>
+        </p:cTn>
+      </p:par>
+    </p:tnLst>
+    <p:bldLst>
+      <p:bldP spid="3" grpId="0" build="p"/>
+    </p:bldLst>
+  </p:timing>
+</p:sld>
+</file>
+
+<file path=ppt/slides/slide31.xml><?xml version="1.0" encoding="utf-8"?>
+<p:sld xmlns:a="http://schemas.openxmlformats.org/drawingml/2006/main" xmlns:r="http://schemas.openxmlformats.org/officeDocument/2006/relationships" xmlns:p="http://schemas.openxmlformats.org/presentationml/2006/main">
+  <p:cSld>
+    <p:spTree>
+      <p:nvGrpSpPr>
+        <p:cNvPr id="1" name=""/>
+        <p:cNvGrpSpPr/>
+        <p:nvPr/>
+      </p:nvGrpSpPr>
+      <p:grpSpPr>
+        <a:xfrm>
+          <a:off x="0" y="0"/>
+          <a:ext cx="0" cy="0"/>
+          <a:chOff x="0" y="0"/>
+          <a:chExt cx="0" cy="0"/>
+        </a:xfrm>
+      </p:grpSpPr>
+      <p:sp>
+        <p:nvSpPr>
+          <p:cNvPr id="2" name="Title 1">
+            <a:extLst>
+              <a:ext uri="{FF2B5EF4-FFF2-40B4-BE49-F238E27FC236}">
+                <a16:creationId xmlns:a16="http://schemas.microsoft.com/office/drawing/2014/main" id="{A670AA07-4D1F-4502-AC18-1E4DC4BC44D2}"/>
+              </a:ext>
+            </a:extLst>
+          </p:cNvPr>
+          <p:cNvSpPr>
+            <a:spLocks noGrp="1"/>
+          </p:cNvSpPr>
+          <p:nvPr>
+            <p:ph type="title"/>
+          </p:nvPr>
+        </p:nvSpPr>
+        <p:spPr/>
+        <p:txBody>
+          <a:bodyPr/>
+          <a:lstStyle/>
+          <a:p>
+            <a:r>
+              <a:rPr lang="en-US" dirty="0"/>
+              <a:t>The amazing thing about </a:t>
+            </a:r>
+            <a:r>
+              <a:rPr lang="en-US" dirty="0">
+                <a:solidFill>
+                  <a:srgbClr val="00B0F0"/>
+                </a:solidFill>
+              </a:rPr>
+              <a:t>doubles</a:t>
+            </a:r>
+          </a:p>
+        </p:txBody>
+      </p:sp>
+      <p:sp>
+        <p:nvSpPr>
+          <p:cNvPr id="3" name="Content Placeholder 2">
+            <a:extLst>
+              <a:ext uri="{FF2B5EF4-FFF2-40B4-BE49-F238E27FC236}">
+                <a16:creationId xmlns:a16="http://schemas.microsoft.com/office/drawing/2014/main" id="{47BE83E9-98B9-43A6-BB79-49F8B0CF1356}"/>
+              </a:ext>
+            </a:extLst>
+          </p:cNvPr>
+          <p:cNvSpPr>
+            <a:spLocks noGrp="1"/>
+          </p:cNvSpPr>
+          <p:nvPr>
+            <p:ph idx="1"/>
+          </p:nvPr>
+        </p:nvSpPr>
+        <p:spPr>
+          <a:xfrm>
+            <a:off x="818712" y="2222287"/>
+            <a:ext cx="10554574" cy="4009180"/>
+          </a:xfrm>
+          <a:effectLst/>
+        </p:spPr>
+        <p:txBody>
+          <a:bodyPr>
+            <a:normAutofit/>
+          </a:bodyPr>
+          <a:lstStyle/>
+          <a:p>
+            <a:pPr marL="0" indent="0">
+              <a:buNone/>
+            </a:pPr>
+            <a:r>
+              <a:rPr lang="en-US" sz="2800" dirty="0">
+                <a:effectLst>
+                  <a:outerShdw blurRad="50800" dist="38100" dir="2700000" algn="tl" rotWithShape="0">
+                    <a:prstClr val="black">
+                      <a:alpha val="40000"/>
+                    </a:prstClr>
+                  </a:outerShdw>
+                </a:effectLst>
+              </a:rPr>
+              <a:t>Recall that ints can take on a value between, roughly, plus or minus </a:t>
+            </a:r>
+            <a:r>
+              <a:rPr lang="en-US" sz="2800" dirty="0">
+                <a:solidFill>
+                  <a:srgbClr val="FF0000"/>
+                </a:solidFill>
+                <a:effectLst>
+                  <a:outerShdw blurRad="50800" dist="38100" dir="2700000" algn="tl" rotWithShape="0">
+                    <a:prstClr val="black">
+                      <a:alpha val="40000"/>
+                    </a:prstClr>
+                  </a:outerShdw>
+                </a:effectLst>
+              </a:rPr>
+              <a:t>2 billion</a:t>
+            </a:r>
+            <a:r>
+              <a:rPr lang="en-US" sz="2800" dirty="0">
+                <a:effectLst>
+                  <a:outerShdw blurRad="50800" dist="38100" dir="2700000" algn="tl" rotWithShape="0">
+                    <a:prstClr val="black">
+                      <a:alpha val="40000"/>
+                    </a:prstClr>
+                  </a:outerShdw>
+                </a:effectLst>
+              </a:rPr>
+              <a:t>.</a:t>
+            </a:r>
+          </a:p>
+          <a:p>
+            <a:pPr marL="0" indent="0">
+              <a:buNone/>
+            </a:pPr>
+            <a:endParaRPr lang="en-US" sz="2800" dirty="0">
+              <a:effectLst>
+                <a:outerShdw blurRad="50800" dist="38100" dir="2700000" algn="tl" rotWithShape="0">
+                  <a:prstClr val="black">
+                    <a:alpha val="40000"/>
+                  </a:prstClr>
+                </a:outerShdw>
+              </a:effectLst>
+            </a:endParaRPr>
+          </a:p>
+          <a:p>
+            <a:pPr marL="0" indent="0">
+              <a:buNone/>
+            </a:pPr>
+            <a:r>
+              <a:rPr lang="en-US" sz="2800" dirty="0">
+                <a:effectLst>
+                  <a:outerShdw blurRad="50800" dist="38100" dir="2700000" algn="tl" rotWithShape="0">
+                    <a:prstClr val="black">
+                      <a:alpha val="40000"/>
+                    </a:prstClr>
+                  </a:outerShdw>
+                </a:effectLst>
+              </a:rPr>
+              <a:t>This is because of </a:t>
+            </a:r>
+            <a:r>
+              <a:rPr lang="en-US" sz="2800" dirty="0">
+                <a:solidFill>
+                  <a:srgbClr val="FF0000"/>
+                </a:solidFill>
+                <a:effectLst>
+                  <a:outerShdw blurRad="50800" dist="38100" dir="2700000" algn="tl" rotWithShape="0">
+                    <a:prstClr val="black">
+                      <a:alpha val="40000"/>
+                    </a:prstClr>
+                  </a:outerShdw>
+                </a:effectLst>
+              </a:rPr>
+              <a:t>memory constraints</a:t>
+            </a:r>
+            <a:r>
+              <a:rPr lang="en-US" sz="2800" dirty="0">
+                <a:effectLst>
+                  <a:outerShdw blurRad="50800" dist="38100" dir="2700000" algn="tl" rotWithShape="0">
+                    <a:prstClr val="black">
+                      <a:alpha val="40000"/>
+                    </a:prstClr>
+                  </a:outerShdw>
+                </a:effectLst>
+              </a:rPr>
+              <a:t>—an int can only occupy </a:t>
+            </a:r>
+            <a:r>
+              <a:rPr lang="en-US" sz="2800" dirty="0">
+                <a:solidFill>
+                  <a:srgbClr val="FF0000"/>
+                </a:solidFill>
+                <a:effectLst>
+                  <a:outerShdw blurRad="50800" dist="38100" dir="2700000" algn="tl" rotWithShape="0">
+                    <a:prstClr val="black">
+                      <a:alpha val="40000"/>
+                    </a:prstClr>
+                  </a:outerShdw>
+                </a:effectLst>
+              </a:rPr>
+              <a:t>32 bits </a:t>
+            </a:r>
+            <a:r>
+              <a:rPr lang="en-US" sz="2800" dirty="0">
+                <a:effectLst>
+                  <a:outerShdw blurRad="50800" dist="38100" dir="2700000" algn="tl" rotWithShape="0">
+                    <a:prstClr val="black">
+                      <a:alpha val="40000"/>
+                    </a:prstClr>
+                  </a:outerShdw>
+                </a:effectLst>
+              </a:rPr>
+              <a:t>in memory (2^32 possible values)</a:t>
+            </a:r>
+          </a:p>
+        </p:txBody>
+      </p:sp>
+    </p:spTree>
+    <p:extLst>
+      <p:ext uri="{BB962C8B-B14F-4D97-AF65-F5344CB8AC3E}">
+        <p14:creationId xmlns:p14="http://schemas.microsoft.com/office/powerpoint/2010/main" val="2766054871"/>
+      </p:ext>
+    </p:extLst>
+  </p:cSld>
+  <p:clrMapOvr>
+    <a:masterClrMapping/>
+  </p:clrMapOvr>
+  <p:timing>
+    <p:tnLst>
+      <p:par>
+        <p:cTn id="1" dur="indefinite" restart="never" nodeType="tmRoot">
+          <p:childTnLst>
+            <p:seq concurrent="1" nextAc="seek">
+              <p:cTn id="2" dur="indefinite" nodeType="mainSeq">
+                <p:childTnLst>
+                  <p:par>
+                    <p:cTn id="3" fill="hold">
+                      <p:stCondLst>
+                        <p:cond delay="indefinite"/>
+                      </p:stCondLst>
+                      <p:childTnLst>
+                        <p:par>
+                          <p:cTn id="4" fill="hold">
+                            <p:stCondLst>
+                              <p:cond delay="0"/>
+                            </p:stCondLst>
+                            <p:childTnLst>
+                              <p:par>
+                                <p:cTn id="5" presetID="10" presetClass="entr" presetSubtype="0" fill="hold" grpId="0" nodeType="clickEffect">
+                                  <p:stCondLst>
+                                    <p:cond delay="0"/>
+                                  </p:stCondLst>
+                                  <p:childTnLst>
+                                    <p:set>
+                                      <p:cBhvr>
+                                        <p:cTn id="6" dur="1" fill="hold">
+                                          <p:stCondLst>
+                                            <p:cond delay="0"/>
+                                          </p:stCondLst>
+                                        </p:cTn>
+                                        <p:tgtEl>
+                                          <p:spTgt spid="3">
+                                            <p:txEl>
+                                              <p:pRg st="0" end="0"/>
+                                            </p:txEl>
+                                          </p:spTgt>
+                                        </p:tgtEl>
+                                        <p:attrNameLst>
+                                          <p:attrName>style.visibility</p:attrName>
+                                        </p:attrNameLst>
+                                      </p:cBhvr>
+                                      <p:to>
+                                        <p:strVal val="visible"/>
+                                      </p:to>
+                                    </p:set>
+                                    <p:animEffect transition="in" filter="fade">
+                                      <p:cBhvr>
+                                        <p:cTn id="7" dur="500"/>
+                                        <p:tgtEl>
+                                          <p:spTgt spid="3">
+                                            <p:txEl>
+                                              <p:pRg st="0" end="0"/>
+                                            </p:txEl>
+                                          </p:spTgt>
+                                        </p:tgtEl>
+                                      </p:cBhvr>
+                                    </p:animEffect>
+                                  </p:childTnLst>
+                                </p:cTn>
+                              </p:par>
+                            </p:childTnLst>
+                          </p:cTn>
+                        </p:par>
+                      </p:childTnLst>
+                    </p:cTn>
+                  </p:par>
+                  <p:par>
+                    <p:cTn id="8" fill="hold">
+                      <p:stCondLst>
+                        <p:cond delay="indefinite"/>
+                      </p:stCondLst>
+                      <p:childTnLst>
+                        <p:par>
+                          <p:cTn id="9" fill="hold">
+                            <p:stCondLst>
+                              <p:cond delay="0"/>
+                            </p:stCondLst>
+                            <p:childTnLst>
+                              <p:par>
+                                <p:cTn id="10" presetID="10" presetClass="entr" presetSubtype="0" fill="hold" grpId="0" nodeType="clickEffect">
+                                  <p:stCondLst>
+                                    <p:cond delay="0"/>
+                                  </p:stCondLst>
+                                  <p:childTnLst>
+                                    <p:set>
+                                      <p:cBhvr>
+                                        <p:cTn id="11" dur="1" fill="hold">
+                                          <p:stCondLst>
+                                            <p:cond delay="0"/>
+                                          </p:stCondLst>
+                                        </p:cTn>
+                                        <p:tgtEl>
+                                          <p:spTgt spid="3">
+                                            <p:txEl>
+                                              <p:pRg st="2" end="2"/>
+                                            </p:txEl>
+                                          </p:spTgt>
+                                        </p:tgtEl>
+                                        <p:attrNameLst>
+                                          <p:attrName>style.visibility</p:attrName>
+                                        </p:attrNameLst>
+                                      </p:cBhvr>
+                                      <p:to>
+                                        <p:strVal val="visible"/>
+                                      </p:to>
+                                    </p:set>
+                                    <p:animEffect transition="in" filter="fade">
+                                      <p:cBhvr>
+                                        <p:cTn id="12" dur="500"/>
+                                        <p:tgtEl>
+                                          <p:spTgt spid="3">
+                                            <p:txEl>
+                                              <p:pRg st="2" end="2"/>
+                                            </p:txEl>
+                                          </p:spTgt>
+                                        </p:tgtEl>
+                                      </p:cBhvr>
+                                    </p:animEffect>
+                                  </p:childTnLst>
+                                </p:cTn>
+                              </p:par>
+                            </p:childTnLst>
+                          </p:cTn>
+                        </p:par>
+                      </p:childTnLst>
+                    </p:cTn>
+                  </p:par>
+                </p:childTnLst>
+              </p:cTn>
+              <p:prevCondLst>
+                <p:cond evt="onPrev" delay="0">
+                  <p:tgtEl>
+                    <p:sldTgt/>
+                  </p:tgtEl>
+                </p:cond>
+              </p:prevCondLst>
+              <p:nextCondLst>
+                <p:cond evt="onNext" delay="0">
+                  <p:tgtEl>
+                    <p:sldTgt/>
+                  </p:tgtEl>
+                </p:cond>
+              </p:nextCondLst>
+            </p:seq>
+          </p:childTnLst>
+        </p:cTn>
+      </p:par>
+    </p:tnLst>
+    <p:bldLst>
+      <p:bldP spid="3" grpId="0" build="p"/>
+    </p:bldLst>
+  </p:timing>
+</p:sld>
+</file>
+
+<file path=ppt/slides/slide32.xml><?xml version="1.0" encoding="utf-8"?>
+<p:sld xmlns:a="http://schemas.openxmlformats.org/drawingml/2006/main" xmlns:r="http://schemas.openxmlformats.org/officeDocument/2006/relationships" xmlns:p="http://schemas.openxmlformats.org/presentationml/2006/main">
+  <p:cSld>
+    <p:spTree>
+      <p:nvGrpSpPr>
+        <p:cNvPr id="1" name=""/>
+        <p:cNvGrpSpPr/>
+        <p:nvPr/>
+      </p:nvGrpSpPr>
+      <p:grpSpPr>
+        <a:xfrm>
+          <a:off x="0" y="0"/>
+          <a:ext cx="0" cy="0"/>
+          <a:chOff x="0" y="0"/>
+          <a:chExt cx="0" cy="0"/>
+        </a:xfrm>
+      </p:grpSpPr>
+      <p:sp>
+        <p:nvSpPr>
+          <p:cNvPr id="2" name="Title 1">
+            <a:extLst>
+              <a:ext uri="{FF2B5EF4-FFF2-40B4-BE49-F238E27FC236}">
                 <a16:creationId xmlns:a16="http://schemas.microsoft.com/office/drawing/2014/main" id="{696BD9F5-5BC1-4473-9060-9F9133A3B360}"/>
               </a:ext>
             </a:extLst>
@@ -18825,7 +19630,7 @@
 </p:sld>
 </file>
 
-<file path=ppt/slides/slide31.xml><?xml version="1.0" encoding="utf-8"?>
+<file path=ppt/slides/slide33.xml><?xml version="1.0" encoding="utf-8"?>
 <p:sld xmlns:a="http://schemas.openxmlformats.org/drawingml/2006/main" xmlns:r="http://schemas.openxmlformats.org/officeDocument/2006/relationships" xmlns:p="http://schemas.openxmlformats.org/presentationml/2006/main">
   <p:cSld>
     <p:spTree>
@@ -19277,7 +20082,7 @@
 </p:sld>
 </file>
 
-<file path=ppt/slides/slide32.xml><?xml version="1.0" encoding="utf-8"?>
+<file path=ppt/slides/slide34.xml><?xml version="1.0" encoding="utf-8"?>
 <p:sld xmlns:a="http://schemas.openxmlformats.org/drawingml/2006/main" xmlns:r="http://schemas.openxmlformats.org/officeDocument/2006/relationships" xmlns:p="http://schemas.openxmlformats.org/presentationml/2006/main">
   <p:cSld>
     <p:spTree>
@@ -19502,7 +20307,7 @@
 </p:sld>
 </file>
 
-<file path=ppt/slides/slide33.xml><?xml version="1.0" encoding="utf-8"?>
+<file path=ppt/slides/slide35.xml><?xml version="1.0" encoding="utf-8"?>
 <p:sld xmlns:a="http://schemas.openxmlformats.org/drawingml/2006/main" xmlns:r="http://schemas.openxmlformats.org/officeDocument/2006/relationships" xmlns:p="http://schemas.openxmlformats.org/presentationml/2006/main">
   <p:cSld>
     <p:spTree>
@@ -19671,7 +20476,7 @@
 </p:sld>
 </file>
 
-<file path=ppt/slides/slide34.xml><?xml version="1.0" encoding="utf-8"?>
+<file path=ppt/slides/slide36.xml><?xml version="1.0" encoding="utf-8"?>
 <p:sld xmlns:a="http://schemas.openxmlformats.org/drawingml/2006/main" xmlns:r="http://schemas.openxmlformats.org/officeDocument/2006/relationships" xmlns:p="http://schemas.openxmlformats.org/presentationml/2006/main">
   <p:cSld>
     <p:spTree>
@@ -20350,7 +21155,7 @@
 </p:sld>
 </file>
 
-<file path=ppt/slides/slide35.xml><?xml version="1.0" encoding="utf-8"?>
+<file path=ppt/slides/slide37.xml><?xml version="1.0" encoding="utf-8"?>
 <p:sld xmlns:a="http://schemas.openxmlformats.org/drawingml/2006/main" xmlns:r="http://schemas.openxmlformats.org/officeDocument/2006/relationships" xmlns:p="http://schemas.openxmlformats.org/presentationml/2006/main">
   <p:cSld>
     <p:spTree>
@@ -25355,7 +26160,7 @@
 </p:sld>
 </file>
 
-<file path=ppt/slides/slide36.xml><?xml version="1.0" encoding="utf-8"?>
+<file path=ppt/slides/slide38.xml><?xml version="1.0" encoding="utf-8"?>
 <p:sld xmlns:a="http://schemas.openxmlformats.org/drawingml/2006/main" xmlns:r="http://schemas.openxmlformats.org/officeDocument/2006/relationships" xmlns:p="http://schemas.openxmlformats.org/presentationml/2006/main">
   <p:cSld>
     <p:spTree>
